--- a/5_Donem_Ders_Notlari/VTYS/Slayt/1.hafta.pptx
+++ b/5_Donem_Ders_Notlari/VTYS/Slayt/1.hafta.pptx
@@ -422,7 +422,7 @@
           <a:p>
             <a:fld id="{A7704912-B115-433C-8876-C7DEF4A8EAB4}" type="datetimeFigureOut">
               <a:rPr lang="tr-TR" smtClean="0"/>
-              <a:t>2.10.2024</a:t>
+              <a:t>24.12.2024</a:t>
             </a:fld>
             <a:endParaRPr lang="tr-TR"/>
           </a:p>
@@ -836,7 +836,7 @@
           <a:p>
             <a:fld id="{A7704912-B115-433C-8876-C7DEF4A8EAB4}" type="datetimeFigureOut">
               <a:rPr lang="tr-TR" smtClean="0"/>
-              <a:t>2.10.2024</a:t>
+              <a:t>24.12.2024</a:t>
             </a:fld>
             <a:endParaRPr lang="tr-TR"/>
           </a:p>
@@ -1172,7 +1172,7 @@
           <a:p>
             <a:fld id="{A7704912-B115-433C-8876-C7DEF4A8EAB4}" type="datetimeFigureOut">
               <a:rPr lang="tr-TR" smtClean="0"/>
-              <a:t>2.10.2024</a:t>
+              <a:t>24.12.2024</a:t>
             </a:fld>
             <a:endParaRPr lang="tr-TR"/>
           </a:p>
@@ -1577,7 +1577,7 @@
           <a:p>
             <a:fld id="{A7704912-B115-433C-8876-C7DEF4A8EAB4}" type="datetimeFigureOut">
               <a:rPr lang="tr-TR" smtClean="0"/>
-              <a:t>2.10.2024</a:t>
+              <a:t>24.12.2024</a:t>
             </a:fld>
             <a:endParaRPr lang="tr-TR"/>
           </a:p>
@@ -2145,7 +2145,7 @@
           <a:p>
             <a:fld id="{A7704912-B115-433C-8876-C7DEF4A8EAB4}" type="datetimeFigureOut">
               <a:rPr lang="tr-TR" smtClean="0"/>
-              <a:t>2.10.2024</a:t>
+              <a:t>24.12.2024</a:t>
             </a:fld>
             <a:endParaRPr lang="tr-TR"/>
           </a:p>
@@ -2826,7 +2826,7 @@
           <a:p>
             <a:fld id="{A7704912-B115-433C-8876-C7DEF4A8EAB4}" type="datetimeFigureOut">
               <a:rPr lang="tr-TR" smtClean="0"/>
-              <a:t>2.10.2024</a:t>
+              <a:t>24.12.2024</a:t>
             </a:fld>
             <a:endParaRPr lang="tr-TR"/>
           </a:p>
@@ -3739,7 +3739,7 @@
           <a:p>
             <a:fld id="{A7704912-B115-433C-8876-C7DEF4A8EAB4}" type="datetimeFigureOut">
               <a:rPr lang="tr-TR" smtClean="0"/>
-              <a:t>2.10.2024</a:t>
+              <a:t>24.12.2024</a:t>
             </a:fld>
             <a:endParaRPr lang="tr-TR"/>
           </a:p>
@@ -4052,7 +4052,7 @@
           <a:p>
             <a:fld id="{A7704912-B115-433C-8876-C7DEF4A8EAB4}" type="datetimeFigureOut">
               <a:rPr lang="tr-TR" smtClean="0"/>
-              <a:t>2.10.2024</a:t>
+              <a:t>24.12.2024</a:t>
             </a:fld>
             <a:endParaRPr lang="tr-TR"/>
           </a:p>
@@ -4316,7 +4316,7 @@
           <a:p>
             <a:fld id="{A7704912-B115-433C-8876-C7DEF4A8EAB4}" type="datetimeFigureOut">
               <a:rPr lang="tr-TR" smtClean="0"/>
-              <a:t>2.10.2024</a:t>
+              <a:t>24.12.2024</a:t>
             </a:fld>
             <a:endParaRPr lang="tr-TR"/>
           </a:p>
@@ -4639,7 +4639,7 @@
           <a:p>
             <a:fld id="{A7704912-B115-433C-8876-C7DEF4A8EAB4}" type="datetimeFigureOut">
               <a:rPr lang="tr-TR" smtClean="0"/>
-              <a:t>2.10.2024</a:t>
+              <a:t>24.12.2024</a:t>
             </a:fld>
             <a:endParaRPr lang="tr-TR"/>
           </a:p>
@@ -5028,7 +5028,7 @@
           <a:p>
             <a:fld id="{A7704912-B115-433C-8876-C7DEF4A8EAB4}" type="datetimeFigureOut">
               <a:rPr lang="tr-TR" smtClean="0"/>
-              <a:t>2.10.2024</a:t>
+              <a:t>24.12.2024</a:t>
             </a:fld>
             <a:endParaRPr lang="tr-TR"/>
           </a:p>
@@ -5404,7 +5404,7 @@
           <a:p>
             <a:fld id="{A7704912-B115-433C-8876-C7DEF4A8EAB4}" type="datetimeFigureOut">
               <a:rPr lang="tr-TR" smtClean="0"/>
-              <a:t>2.10.2024</a:t>
+              <a:t>24.12.2024</a:t>
             </a:fld>
             <a:endParaRPr lang="tr-TR"/>
           </a:p>
@@ -5910,7 +5910,7 @@
           <a:p>
             <a:fld id="{A7704912-B115-433C-8876-C7DEF4A8EAB4}" type="datetimeFigureOut">
               <a:rPr lang="tr-TR" smtClean="0"/>
-              <a:t>2.10.2024</a:t>
+              <a:t>24.12.2024</a:t>
             </a:fld>
             <a:endParaRPr lang="tr-TR"/>
           </a:p>
@@ -6167,7 +6167,7 @@
           <a:p>
             <a:fld id="{A7704912-B115-433C-8876-C7DEF4A8EAB4}" type="datetimeFigureOut">
               <a:rPr lang="tr-TR" smtClean="0"/>
-              <a:t>2.10.2024</a:t>
+              <a:t>24.12.2024</a:t>
             </a:fld>
             <a:endParaRPr lang="tr-TR"/>
           </a:p>
@@ -6330,7 +6330,7 @@
           <a:p>
             <a:fld id="{A7704912-B115-433C-8876-C7DEF4A8EAB4}" type="datetimeFigureOut">
               <a:rPr lang="tr-TR" smtClean="0"/>
-              <a:t>2.10.2024</a:t>
+              <a:t>24.12.2024</a:t>
             </a:fld>
             <a:endParaRPr lang="tr-TR"/>
           </a:p>
@@ -6720,7 +6720,7 @@
           <a:p>
             <a:fld id="{A7704912-B115-433C-8876-C7DEF4A8EAB4}" type="datetimeFigureOut">
               <a:rPr lang="tr-TR" smtClean="0"/>
-              <a:t>2.10.2024</a:t>
+              <a:t>24.12.2024</a:t>
             </a:fld>
             <a:endParaRPr lang="tr-TR"/>
           </a:p>
@@ -7129,7 +7129,7 @@
           <a:p>
             <a:fld id="{A7704912-B115-433C-8876-C7DEF4A8EAB4}" type="datetimeFigureOut">
               <a:rPr lang="tr-TR" smtClean="0"/>
-              <a:t>2.10.2024</a:t>
+              <a:t>24.12.2024</a:t>
             </a:fld>
             <a:endParaRPr lang="tr-TR"/>
           </a:p>
@@ -7373,7 +7373,7 @@
           <a:p>
             <a:fld id="{A7704912-B115-433C-8876-C7DEF4A8EAB4}" type="datetimeFigureOut">
               <a:rPr lang="tr-TR" smtClean="0"/>
-              <a:t>2.10.2024</a:t>
+              <a:t>24.12.2024</a:t>
             </a:fld>
             <a:endParaRPr lang="tr-TR"/>
           </a:p>
@@ -7805,14 +7805,13 @@
           <a:lstStyle/>
           <a:p>
             <a:r>
-              <a:rPr lang="tr-TR" sz="4800" dirty="0" err="1" smtClean="0"/>
+              <a:rPr lang="tr-TR" sz="4800" dirty="0" err="1"/>
               <a:t>Veritabanı</a:t>
             </a:r>
             <a:r>
-              <a:rPr lang="tr-TR" sz="4800" dirty="0" smtClean="0"/>
+              <a:rPr lang="tr-TR" sz="4800" dirty="0"/>
               <a:t> Yönetim Sistemleri</a:t>
             </a:r>
-            <a:endParaRPr lang="tr-TR" sz="4800" dirty="0"/>
           </a:p>
         </p:txBody>
       </p:sp>
@@ -7848,13 +7847,6 @@
   <p:clrMapOvr>
     <a:masterClrMapping/>
   </p:clrMapOvr>
-  <p:timing>
-    <p:tnLst>
-      <p:par>
-        <p:cTn id="1" dur="indefinite" restart="never" nodeType="tmRoot"/>
-      </p:par>
-    </p:tnLst>
-  </p:timing>
 </p:sld>
 </file>
 
@@ -7891,10 +7883,9 @@
           <a:lstStyle/>
           <a:p>
             <a:r>
-              <a:rPr lang="tr-TR" dirty="0" smtClean="0"/>
+              <a:rPr lang="tr-TR" dirty="0"/>
               <a:t>Giriş</a:t>
             </a:r>
-            <a:endParaRPr lang="tr-TR" dirty="0"/>
           </a:p>
         </p:txBody>
       </p:sp>
@@ -7917,64 +7908,44 @@
           <a:p>
             <a:pPr algn="just"/>
             <a:r>
-              <a:rPr lang="tr-TR" dirty="0" err="1" smtClean="0"/>
+              <a:rPr lang="tr-TR" dirty="0" err="1"/>
               <a:t>Veritabanı</a:t>
             </a:r>
             <a:r>
               <a:rPr lang="tr-TR" dirty="0"/>
-              <a:t>, belli bir alanda ve birbiriyle ilişkili olarak düzenlenmiş </a:t>
-            </a:r>
-            <a:r>
-              <a:rPr lang="tr-TR" dirty="0" smtClean="0"/>
-              <a:t>veriler topluluğudur.</a:t>
+              <a:t>, belli bir alanda ve birbiriyle ilişkili olarak düzenlenmiş veriler topluluğudur.</a:t>
             </a:r>
           </a:p>
           <a:p>
             <a:pPr algn="just"/>
             <a:r>
-              <a:rPr lang="tr-TR" dirty="0" err="1" smtClean="0"/>
+              <a:rPr lang="tr-TR" dirty="0" err="1"/>
               <a:t>Veritabanı</a:t>
             </a:r>
             <a:r>
               <a:rPr lang="tr-TR" dirty="0"/>
-              <a:t>, birçok kullanıcı tarafından kullanılan birbirleriyle ilişkili geniş bir </a:t>
-            </a:r>
-            <a:r>
-              <a:rPr lang="tr-TR" dirty="0" smtClean="0"/>
-              <a:t>veri kümesinin </a:t>
+              <a:t>, birçok kullanıcı tarafından kullanılan birbirleriyle ilişkili geniş bir veri kümesinin düzenlenmesi, depolanması ve sorgulanması için kurulan sistemdir.</a:t>
+            </a:r>
+          </a:p>
+          <a:p>
+            <a:pPr algn="just"/>
+            <a:r>
+              <a:rPr lang="tr-TR" dirty="0" err="1"/>
+              <a:t>Veritabanı</a:t>
             </a:r>
             <a:r>
               <a:rPr lang="tr-TR" dirty="0"/>
-              <a:t>düzenlenmesi, depolanması ve sorgulanması için kurulan sistemdir.</a:t>
-            </a:r>
-          </a:p>
-          <a:p>
-            <a:pPr algn="just"/>
-            <a:r>
-              <a:rPr lang="tr-TR" dirty="0" err="1" smtClean="0"/>
+              <a:t>, birçok uygulamaya hizmet vermek için verilerin saklandığı bir veri topluluğudur.</a:t>
+            </a:r>
+          </a:p>
+          <a:p>
+            <a:r>
+              <a:rPr lang="tr-TR" dirty="0" err="1"/>
               <a:t>Veritabanı</a:t>
             </a:r>
             <a:r>
               <a:rPr lang="tr-TR" dirty="0"/>
-              <a:t>, birçok uygulamaya hizmet vermek için verilerin saklandığı bir </a:t>
-            </a:r>
-            <a:r>
-              <a:rPr lang="tr-TR" dirty="0" smtClean="0"/>
-              <a:t>veri topluluğudur.</a:t>
-            </a:r>
-          </a:p>
-          <a:p>
-            <a:r>
-              <a:rPr lang="tr-TR" dirty="0" err="1" smtClean="0"/>
-              <a:t>Veritabanı</a:t>
-            </a:r>
-            <a:r>
-              <a:rPr lang="tr-TR" dirty="0" smtClean="0"/>
-              <a:t> </a:t>
-            </a:r>
-            <a:r>
-              <a:rPr lang="tr-TR" dirty="0"/>
-              <a:t>basit olarak bilgi depolayan bir yazılımdır. </a:t>
+              <a:t> basit olarak bilgi depolayan bir yazılımdır. </a:t>
             </a:r>
           </a:p>
           <a:p>
@@ -8034,13 +8005,6 @@
   <p:clrMapOvr>
     <a:masterClrMapping/>
   </p:clrMapOvr>
-  <p:timing>
-    <p:tnLst>
-      <p:par>
-        <p:cTn id="1" dur="indefinite" restart="never" nodeType="tmRoot"/>
-      </p:par>
-    </p:tnLst>
-  </p:timing>
 </p:sld>
 </file>
 
@@ -8077,7 +8041,7 @@
           <a:lstStyle/>
           <a:p>
             <a:r>
-              <a:rPr lang="en-US" dirty="0" err="1" smtClean="0"/>
+              <a:rPr lang="en-US" dirty="0" err="1"/>
               <a:t>Giriş</a:t>
             </a:r>
             <a:endParaRPr lang="en-US" dirty="0"/>
@@ -8235,52 +8199,36 @@
           <a:p>
             <a:pPr algn="just"/>
             <a:r>
-              <a:rPr lang="tr-TR" dirty="0" err="1" smtClean="0"/>
+              <a:rPr lang="tr-TR" dirty="0" err="1"/>
               <a:t>Veritabanı</a:t>
             </a:r>
             <a:r>
-              <a:rPr lang="tr-TR" dirty="0" smtClean="0"/>
-              <a:t> </a:t>
-            </a:r>
-            <a:r>
               <a:rPr lang="tr-TR" dirty="0"/>
-              <a:t>kavramı ilk olarak </a:t>
-            </a:r>
-            <a:r>
-              <a:rPr lang="tr-TR" dirty="0" smtClean="0"/>
-              <a:t>19</a:t>
-            </a:r>
-            <a:r>
-              <a:rPr lang="en-US" dirty="0" smtClean="0"/>
+              <a:t> kavramı ilk olarak 19</a:t>
+            </a:r>
+            <a:r>
+              <a:rPr lang="en-US" dirty="0"/>
               <a:t>6</a:t>
             </a:r>
             <a:r>
-              <a:rPr lang="tr-TR" dirty="0" smtClean="0"/>
+              <a:rPr lang="tr-TR" dirty="0"/>
               <a:t>0’l</a:t>
             </a:r>
             <a:r>
-              <a:rPr lang="en-US" dirty="0" err="1" smtClean="0"/>
+              <a:rPr lang="en-US" dirty="0" err="1"/>
               <a:t>ı</a:t>
             </a:r>
             <a:r>
-              <a:rPr lang="tr-TR" dirty="0" smtClean="0"/>
-              <a:t> </a:t>
-            </a:r>
-            <a:r>
               <a:rPr lang="tr-TR" dirty="0"/>
-              <a:t>yıllarda ortaya atılmış olmasına rağmen; günümüzde hemen hemen tüm veri kullanılan alanlarda </a:t>
-            </a:r>
-            <a:r>
-              <a:rPr lang="tr-TR" dirty="0" err="1" smtClean="0"/>
+              <a:t> yıllarda ortaya atılmış olmasına rağmen; günümüzde hemen hemen tüm veri kullanılan alanlarda </a:t>
+            </a:r>
+            <a:r>
+              <a:rPr lang="tr-TR" dirty="0" err="1"/>
               <a:t>Veritabanı</a:t>
             </a:r>
             <a:r>
-              <a:rPr lang="tr-TR" dirty="0" smtClean="0"/>
-              <a:t> </a:t>
-            </a:r>
-            <a:r>
               <a:rPr lang="tr-TR" dirty="0"/>
-              <a:t>olmadan hiçbir şey yapılamaz hale gelmiştir. </a:t>
+              <a:t> olmadan hiçbir şey yapılamaz hale gelmiştir. </a:t>
             </a:r>
           </a:p>
           <a:p>
@@ -8340,13 +8288,6 @@
   <p:clrMapOvr>
     <a:masterClrMapping/>
   </p:clrMapOvr>
-  <p:timing>
-    <p:tnLst>
-      <p:par>
-        <p:cTn id="1" dur="indefinite" restart="never" nodeType="tmRoot"/>
-      </p:par>
-    </p:tnLst>
-  </p:timing>
 </p:sld>
 </file>
 
@@ -8383,7 +8324,7 @@
           <a:lstStyle/>
           <a:p>
             <a:r>
-              <a:rPr lang="en-US" dirty="0" err="1" smtClean="0"/>
+              <a:rPr lang="en-US" dirty="0" err="1"/>
               <a:t>Giriş</a:t>
             </a:r>
             <a:endParaRPr lang="en-US" dirty="0"/>
@@ -8575,56 +8516,20 @@
           <a:p>
             <a:pPr algn="just"/>
             <a:r>
-              <a:rPr lang="tr-TR" dirty="0" err="1" smtClean="0"/>
+              <a:rPr lang="tr-TR" dirty="0" err="1"/>
               <a:t>Veritabanı</a:t>
             </a:r>
             <a:r>
               <a:rPr lang="tr-TR" dirty="0"/>
-              <a:t>, birbirleriyle ilişkisi olan verilerin tutulduğu, kullanım amacına uygun </a:t>
-            </a:r>
-            <a:r>
-              <a:rPr lang="tr-TR" dirty="0" smtClean="0"/>
-              <a:t>olarak düzenlenmiş </a:t>
+              <a:t>, birbirleriyle ilişkisi olan verilerin tutulduğu, kullanım amacına uygun olarak düzenlenmiş veriler topluluğunun mantıksal ve fiziksel olarak tanımlarının olduğu ve bunların sayısal ortamlarda saklandığı ve gerektiğinde tekrar bir erişime olanak sağlayan, büyük boyutlarda veriler barındıran bilgi depolarıdır. </a:t>
+            </a:r>
+            <a:r>
+              <a:rPr lang="tr-TR" dirty="0" err="1"/>
+              <a:t>Veritabanı</a:t>
             </a:r>
             <a:r>
               <a:rPr lang="tr-TR" dirty="0"/>
-              <a:t>veriler topluluğunun mantıksal ve fiziksel olarak tanımlarının olduğu ve </a:t>
-            </a:r>
-            <a:r>
-              <a:rPr lang="tr-TR" dirty="0" smtClean="0"/>
-              <a:t>bunların sayısal </a:t>
-            </a:r>
-            <a:r>
-              <a:rPr lang="tr-TR" dirty="0"/>
-              <a:t>ortamlarda saklandığı ve gerektiğinde tekrar bir erişime olanak sağlayan, büyük </a:t>
-            </a:r>
-            <a:r>
-              <a:rPr lang="tr-TR" dirty="0" smtClean="0"/>
-              <a:t>boyutlarda veriler </a:t>
-            </a:r>
-            <a:r>
-              <a:rPr lang="tr-TR" dirty="0"/>
-              <a:t>barındıran bilgi depolarıdır. </a:t>
-            </a:r>
-            <a:r>
-              <a:rPr lang="tr-TR" dirty="0" err="1" smtClean="0"/>
-              <a:t>Veritabanı</a:t>
-            </a:r>
-            <a:r>
-              <a:rPr lang="tr-TR" dirty="0" smtClean="0"/>
-              <a:t> </a:t>
-            </a:r>
-            <a:r>
-              <a:rPr lang="tr-TR" dirty="0"/>
-              <a:t>bir sistem olarak düşünüldüğünde dört </a:t>
-            </a:r>
-            <a:r>
-              <a:rPr lang="tr-TR" dirty="0" smtClean="0"/>
-              <a:t>temel elemandan </a:t>
-            </a:r>
-            <a:r>
-              <a:rPr lang="tr-TR" dirty="0"/>
-              <a:t>oluştuğu görülür. Bunlar veri, donanım, yazılım ve kullanıcılar.</a:t>
+              <a:t> bir sistem olarak düşünüldüğünde dört temel elemandan oluştuğu görülür. Bunlar veri, donanım, yazılım ve kullanıcılar.</a:t>
             </a:r>
           </a:p>
         </p:txBody>
@@ -8639,13 +8544,6 @@
   <p:clrMapOvr>
     <a:masterClrMapping/>
   </p:clrMapOvr>
-  <p:timing>
-    <p:tnLst>
-      <p:par>
-        <p:cTn id="1" dur="indefinite" restart="never" nodeType="tmRoot"/>
-      </p:par>
-    </p:tnLst>
-  </p:timing>
 </p:sld>
 </file>
 
@@ -8715,64 +8613,28 @@
             </a:r>
             <a:r>
               <a:rPr lang="tr-TR" dirty="0"/>
-              <a:t>Olguların, kavramların veya talimatların, insan tarafından veya otomatik </a:t>
-            </a:r>
-            <a:r>
-              <a:rPr lang="tr-TR" dirty="0" smtClean="0"/>
-              <a:t>yolla iletişim</a:t>
-            </a:r>
+              <a:t>Olguların, kavramların veya talimatların, insan tarafından veya otomatik yolla iletişim, yorumlama ve işleme amacına uygun bir biçimde ifadesidir. Veri şu şekillerde de ifade edilir:</a:t>
+            </a:r>
+          </a:p>
+          <a:p>
+            <a:pPr lvl="1" algn="just"/>
             <a:r>
               <a:rPr lang="tr-TR" dirty="0"/>
-              <a:t>, yorumlama ve işleme amacına uygun bir biçimde ifadesidir. </a:t>
-            </a:r>
-            <a:r>
-              <a:rPr lang="tr-TR" dirty="0" smtClean="0"/>
-              <a:t>Veri </a:t>
-            </a:r>
+              <a:t>Bir anlamı olan ve kaydedilebilen gerçekler,</a:t>
+            </a:r>
+          </a:p>
+          <a:p>
+            <a:pPr lvl="1" algn="just"/>
             <a:r>
               <a:rPr lang="tr-TR" dirty="0"/>
-              <a:t>şu şekillerde de </a:t>
-            </a:r>
-            <a:r>
-              <a:rPr lang="tr-TR" dirty="0" smtClean="0"/>
-              <a:t>ifade edilir</a:t>
-            </a:r>
+              <a:t>Bilgisayarda işlenebilen her türlü bilgi,</a:t>
+            </a:r>
+          </a:p>
+          <a:p>
+            <a:pPr lvl="1" algn="just"/>
             <a:r>
               <a:rPr lang="tr-TR" dirty="0"/>
-              <a:t>:</a:t>
-            </a:r>
-          </a:p>
-          <a:p>
-            <a:pPr lvl="1" algn="just"/>
-            <a:r>
-              <a:rPr lang="tr-TR" dirty="0" smtClean="0"/>
-              <a:t>Bir </a:t>
-            </a:r>
-            <a:r>
-              <a:rPr lang="tr-TR" dirty="0"/>
-              <a:t>anlamı olan ve kaydedilebilen gerçekler,</a:t>
-            </a:r>
-          </a:p>
-          <a:p>
-            <a:pPr lvl="1" algn="just"/>
-            <a:r>
-              <a:rPr lang="tr-TR" dirty="0" smtClean="0"/>
-              <a:t>Bilgisayarda </a:t>
-            </a:r>
-            <a:r>
-              <a:rPr lang="tr-TR" dirty="0"/>
-              <a:t>işlenebilen her türlü bilgi,</a:t>
-            </a:r>
-          </a:p>
-          <a:p>
-            <a:pPr lvl="1" algn="just"/>
-            <a:r>
-              <a:rPr lang="tr-TR" dirty="0" smtClean="0"/>
-              <a:t>Veri </a:t>
-            </a:r>
-            <a:r>
-              <a:rPr lang="tr-TR" dirty="0"/>
-              <a:t>kaydedilebilir bilinen gerçeklerdir.</a:t>
+              <a:t>Veri kaydedilebilir bilinen gerçeklerdir.</a:t>
             </a:r>
           </a:p>
         </p:txBody>
@@ -8828,13 +8690,6 @@
   <p:clrMapOvr>
     <a:masterClrMapping/>
   </p:clrMapOvr>
-  <p:timing>
-    <p:tnLst>
-      <p:par>
-        <p:cTn id="1" dur="indefinite" restart="never" nodeType="tmRoot"/>
-      </p:par>
-    </p:tnLst>
-  </p:timing>
 </p:sld>
 </file>
 
@@ -8906,15 +8761,7 @@
             </a:r>
             <a:r>
               <a:rPr lang="tr-TR" dirty="0"/>
-              <a:t>Kullanılan yazılımın donanımla uygun olması, depolama birimleri </a:t>
-            </a:r>
-            <a:r>
-              <a:rPr lang="tr-TR" dirty="0" smtClean="0"/>
-              <a:t>ve donanımın </a:t>
-            </a:r>
-            <a:r>
-              <a:rPr lang="tr-TR" dirty="0"/>
-              <a:t>güvenliği önemlidir.</a:t>
+              <a:t>Kullanılan yazılımın donanımla uygun olması, depolama birimleri ve donanımın güvenliği önemlidir.</a:t>
             </a:r>
           </a:p>
           <a:p>
@@ -8928,34 +8775,21 @@
               <a:t>Fiziksel </a:t>
             </a:r>
             <a:r>
-              <a:rPr lang="tr-TR" dirty="0" err="1" smtClean="0"/>
+              <a:rPr lang="tr-TR" dirty="0" err="1"/>
               <a:t>veritabanı</a:t>
             </a:r>
             <a:r>
-              <a:rPr lang="tr-TR" dirty="0" smtClean="0"/>
-              <a:t> </a:t>
-            </a:r>
-            <a:r>
               <a:rPr lang="tr-TR" dirty="0"/>
-              <a:t>ile sistem kullanıcıları arasındaki iletişimi </a:t>
-            </a:r>
-            <a:r>
-              <a:rPr lang="tr-TR" dirty="0" smtClean="0"/>
-              <a:t>sağlayan yazılıma </a:t>
-            </a:r>
-            <a:r>
-              <a:rPr lang="tr-TR" dirty="0" err="1" smtClean="0"/>
+              <a:t> ile sistem kullanıcıları arasındaki iletişimi sağlayan yazılıma </a:t>
+            </a:r>
+            <a:r>
+              <a:rPr lang="tr-TR" dirty="0" err="1"/>
               <a:t>Veritabanı</a:t>
             </a:r>
             <a:r>
-              <a:rPr lang="tr-TR" dirty="0" smtClean="0"/>
-              <a:t> </a:t>
-            </a:r>
-            <a:r>
               <a:rPr lang="tr-TR" dirty="0"/>
-              <a:t>Yönetim Sistemi (VTYS) adı verilir. </a:t>
-            </a:r>
-            <a:endParaRPr lang="tr-TR" dirty="0" smtClean="0"/>
+              <a:t> Yönetim Sistemi (VTYS) adı verilir. </a:t>
+            </a:r>
           </a:p>
         </p:txBody>
       </p:sp>
@@ -8969,13 +8803,6 @@
   <p:clrMapOvr>
     <a:masterClrMapping/>
   </p:clrMapOvr>
-  <p:timing>
-    <p:tnLst>
-      <p:par>
-        <p:cTn id="1" dur="indefinite" restart="never" nodeType="tmRoot"/>
-      </p:par>
-    </p:tnLst>
-  </p:timing>
 </p:sld>
 </file>
 
@@ -9170,70 +8997,40 @@
               <a:t>Kullanıcılar </a:t>
             </a:r>
             <a:r>
-              <a:rPr lang="en-US" dirty="0" err="1" smtClean="0"/>
+              <a:rPr lang="en-US" dirty="0" err="1"/>
               <a:t>temel</a:t>
             </a:r>
             <a:r>
-              <a:rPr lang="en-US" dirty="0" smtClean="0"/>
-              <a:t> </a:t>
-            </a:r>
-            <a:r>
-              <a:rPr lang="en-US" dirty="0" err="1" smtClean="0"/>
+              <a:rPr lang="en-US" dirty="0"/>
+              <a:t> </a:t>
+            </a:r>
+            <a:r>
+              <a:rPr lang="en-US" dirty="0" err="1"/>
               <a:t>olarak</a:t>
             </a:r>
             <a:r>
-              <a:rPr lang="en-US" dirty="0" smtClean="0"/>
-              <a:t> </a:t>
-            </a:r>
-            <a:r>
-              <a:rPr lang="tr-TR" dirty="0" smtClean="0"/>
-              <a:t>üç </a:t>
+              <a:rPr lang="en-US" dirty="0"/>
+              <a:t> </a:t>
             </a:r>
             <a:r>
               <a:rPr lang="tr-TR" dirty="0"/>
-              <a:t>sınıfta toplanabilir. Bunlar uygulama programcısı, </a:t>
-            </a:r>
-            <a:r>
-              <a:rPr lang="tr-TR" dirty="0" err="1" smtClean="0"/>
+              <a:t>üç sınıfta toplanabilir. Bunlar uygulama programcısı, </a:t>
+            </a:r>
+            <a:r>
+              <a:rPr lang="tr-TR" dirty="0" err="1"/>
               <a:t>veritabanı</a:t>
             </a:r>
             <a:r>
-              <a:rPr lang="tr-TR" dirty="0" smtClean="0"/>
-              <a:t> </a:t>
-            </a:r>
-            <a:r>
               <a:rPr lang="tr-TR" dirty="0"/>
-              <a:t>yöneticisi ve son kullanıcılar. </a:t>
-            </a:r>
-            <a:endParaRPr lang="tr-TR" dirty="0" smtClean="0"/>
+              <a:t> yöneticisi ve son kullanıcılar. </a:t>
+            </a:r>
           </a:p>
           <a:p>
             <a:pPr algn="just"/>
             <a:r>
-              <a:rPr lang="tr-TR" dirty="0" smtClean="0"/>
-              <a:t>Uygulama </a:t>
-            </a:r>
-            <a:r>
               <a:rPr lang="tr-TR" dirty="0"/>
-              <a:t>programcıları: son kullanıcıların </a:t>
-            </a:r>
-            <a:r>
-              <a:rPr lang="tr-TR" dirty="0" smtClean="0"/>
-              <a:t>kullandıkları programları </a:t>
-            </a:r>
-            <a:r>
-              <a:rPr lang="tr-TR" dirty="0"/>
-              <a:t>yazanlar. Bir programlama diliyle programı yazan, veri girişi, ekleme, silme</a:t>
-            </a:r>
-            <a:r>
-              <a:rPr lang="tr-TR" dirty="0" smtClean="0"/>
-              <a:t>, değiştirme </a:t>
-            </a:r>
-            <a:r>
-              <a:rPr lang="tr-TR" dirty="0"/>
-              <a:t>işlemini yapan kişi uygulama programcısıdır. </a:t>
-            </a:r>
-            <a:endParaRPr lang="tr-TR" dirty="0" smtClean="0"/>
+              <a:t>Uygulama programcıları: son kullanıcıların kullandıkları programları yazanlar. Bir programlama diliyle programı yazan, veri girişi, ekleme, silme, değiştirme işlemini yapan kişi uygulama programcısıdır. </a:t>
+            </a:r>
           </a:p>
         </p:txBody>
       </p:sp>
@@ -9247,13 +9044,6 @@
   <p:clrMapOvr>
     <a:masterClrMapping/>
   </p:clrMapOvr>
-  <p:timing>
-    <p:tnLst>
-      <p:par>
-        <p:cTn id="1" dur="indefinite" restart="never" nodeType="tmRoot"/>
-      </p:par>
-    </p:tnLst>
-  </p:timing>
 </p:sld>
 </file>
 
@@ -9409,59 +9199,47 @@
           <a:p>
             <a:pPr algn="just"/>
             <a:r>
-              <a:rPr lang="tr-TR" dirty="0" smtClean="0"/>
-              <a:t>Dersler Yüz yüze olarak </a:t>
-            </a:r>
-            <a:r>
               <a:rPr lang="tr-TR" dirty="0"/>
-              <a:t>gerçekleştirilecektir</a:t>
-            </a:r>
-            <a:r>
-              <a:rPr lang="tr-TR" dirty="0" smtClean="0"/>
+              <a:t>Dersler Yüz yüze olarak gerçekleştirilecektir.</a:t>
+            </a:r>
+            <a:r>
+              <a:rPr lang="en-US" dirty="0"/>
+              <a:t> </a:t>
+            </a:r>
+          </a:p>
+          <a:p>
+            <a:pPr algn="just"/>
+            <a:r>
+              <a:rPr lang="en-US" dirty="0" err="1"/>
+              <a:t>Devam</a:t>
+            </a:r>
+            <a:r>
+              <a:rPr lang="en-US" dirty="0"/>
+              <a:t> </a:t>
+            </a:r>
+            <a:r>
+              <a:rPr lang="en-US" dirty="0" err="1"/>
+              <a:t>zorunluluğu</a:t>
+            </a:r>
+            <a:r>
+              <a:rPr lang="en-US" dirty="0"/>
+              <a:t> </a:t>
+            </a:r>
+            <a:r>
+              <a:rPr lang="en-US" dirty="0" err="1"/>
+              <a:t>vardır</a:t>
+            </a:r>
+            <a:r>
+              <a:rPr lang="en-US" dirty="0"/>
               <a:t>.</a:t>
             </a:r>
-            <a:r>
-              <a:rPr lang="en-US" dirty="0" smtClean="0"/>
-              <a:t> </a:t>
-            </a:r>
+            <a:endParaRPr lang="tr-TR" dirty="0"/>
           </a:p>
           <a:p>
             <a:pPr algn="just"/>
             <a:r>
-              <a:rPr lang="en-US" dirty="0" err="1" smtClean="0"/>
-              <a:t>Devam</a:t>
-            </a:r>
-            <a:r>
-              <a:rPr lang="en-US" dirty="0" smtClean="0"/>
-              <a:t> </a:t>
-            </a:r>
-            <a:r>
-              <a:rPr lang="en-US" dirty="0" err="1" smtClean="0"/>
-              <a:t>zorunluluğu</a:t>
-            </a:r>
-            <a:r>
-              <a:rPr lang="en-US" dirty="0" smtClean="0"/>
-              <a:t> </a:t>
-            </a:r>
-            <a:r>
-              <a:rPr lang="en-US" dirty="0" err="1" smtClean="0"/>
-              <a:t>vardır</a:t>
-            </a:r>
-            <a:r>
-              <a:rPr lang="en-US" dirty="0" smtClean="0"/>
-              <a:t>.</a:t>
-            </a:r>
-            <a:endParaRPr lang="tr-TR" dirty="0"/>
-          </a:p>
-          <a:p>
-            <a:pPr algn="just"/>
-            <a:r>
-              <a:rPr lang="tr-TR" dirty="0" smtClean="0"/>
-              <a:t>Ders </a:t>
-            </a:r>
-            <a:r>
               <a:rPr lang="tr-TR" dirty="0"/>
-              <a:t>sunuları haftalık olarak </a:t>
+              <a:t>Ders sunuları haftalık olarak </a:t>
             </a:r>
             <a:r>
               <a:rPr lang="tr-TR" dirty="0" err="1"/>
@@ -9482,28 +9260,8 @@
           <a:p>
             <a:pPr algn="just"/>
             <a:r>
-              <a:rPr lang="tr-TR" dirty="0" smtClean="0"/>
-              <a:t>Vize </a:t>
-            </a:r>
-            <a:r>
-              <a:rPr lang="tr-TR" dirty="0" smtClean="0"/>
-              <a:t>(%10</a:t>
-            </a:r>
-            <a:r>
-              <a:rPr lang="tr-TR" dirty="0" smtClean="0"/>
-              <a:t>), Proje </a:t>
-            </a:r>
-            <a:r>
-              <a:rPr lang="tr-TR" dirty="0" smtClean="0"/>
-              <a:t>(%30</a:t>
-            </a:r>
-            <a:r>
-              <a:rPr lang="tr-TR" dirty="0" smtClean="0"/>
-              <a:t>) ve </a:t>
-            </a:r>
-            <a:r>
               <a:rPr lang="tr-TR" dirty="0"/>
-              <a:t>Final (%60)</a:t>
+              <a:t>Vize (%10), Proje (%30) ve Final (%60)</a:t>
             </a:r>
           </a:p>
           <a:p>
@@ -9521,13 +9279,6 @@
   <p:clrMapOvr>
     <a:masterClrMapping/>
   </p:clrMapOvr>
-  <p:timing>
-    <p:tnLst>
-      <p:par>
-        <p:cTn id="1" dur="indefinite" restart="never" nodeType="tmRoot"/>
-      </p:par>
-    </p:tnLst>
-  </p:timing>
 </p:sld>
 </file>
 
@@ -9775,7 +9526,7 @@
                         <a:defRPr/>
                       </a:pPr>
                       <a:r>
-                        <a:rPr lang="tr-TR" sz="2000" b="0" kern="1200" dirty="0" smtClean="0">
+                        <a:rPr lang="tr-TR" sz="2000" b="0" kern="1200" dirty="0">
                           <a:solidFill>
                             <a:schemeClr val="dk1"/>
                           </a:solidFill>
@@ -9786,7 +9537,7 @@
                         <a:t>Alan / </a:t>
                       </a:r>
                       <a:r>
-                        <a:rPr lang="tr-TR" sz="2000" b="0" kern="1200" dirty="0" err="1" smtClean="0">
+                        <a:rPr lang="tr-TR" sz="2000" b="0" kern="1200" dirty="0" err="1">
                           <a:solidFill>
                             <a:schemeClr val="dk1"/>
                           </a:solidFill>
@@ -9797,7 +9548,7 @@
                         <a:t>Field</a:t>
                       </a:r>
                       <a:r>
-                        <a:rPr lang="tr-TR" sz="2000" b="0" kern="1200" dirty="0" smtClean="0">
+                        <a:rPr lang="tr-TR" sz="2000" b="0" kern="1200" dirty="0">
                           <a:solidFill>
                             <a:schemeClr val="dk1"/>
                           </a:solidFill>
@@ -9807,14 +9558,6 @@
                         </a:rPr>
                         <a:t> </a:t>
                       </a:r>
-                      <a:endParaRPr lang="tr-TR" sz="2000" b="0" kern="1200" dirty="0">
-                        <a:solidFill>
-                          <a:schemeClr val="dk1"/>
-                        </a:solidFill>
-                        <a:latin typeface="+mn-lt"/>
-                        <a:ea typeface="+mn-ea"/>
-                        <a:cs typeface="+mn-cs"/>
-                      </a:endParaRPr>
                     </a:p>
                   </a:txBody>
                   <a:tcPr anchor="ctr">
@@ -9833,7 +9576,7 @@
                     <a:p>
                       <a:pPr marL="0" algn="l" defTabSz="457200" rtl="0" eaLnBrk="1" latinLnBrk="0" hangingPunct="1"/>
                       <a:r>
-                        <a:rPr lang="tr-TR" sz="2000" b="0" kern="1200" dirty="0" smtClean="0">
+                        <a:rPr lang="tr-TR" sz="2000" b="0" kern="1200" dirty="0">
                           <a:solidFill>
                             <a:schemeClr val="dk1"/>
                           </a:solidFill>
@@ -9844,7 +9587,7 @@
                         <a:t>İlişki / </a:t>
                       </a:r>
                       <a:r>
-                        <a:rPr lang="tr-TR" sz="2000" b="0" kern="1200" dirty="0" err="1" smtClean="0">
+                        <a:rPr lang="tr-TR" sz="2000" b="0" kern="1200" dirty="0" err="1">
                           <a:solidFill>
                             <a:schemeClr val="dk1"/>
                           </a:solidFill>
@@ -9903,14 +9646,14 @@
                         <a:defRPr/>
                       </a:pPr>
                       <a:r>
-                        <a:rPr lang="tr-TR" sz="2000" dirty="0" smtClean="0"/>
+                        <a:rPr lang="tr-TR" sz="2000" dirty="0"/>
                         <a:t>Veri türü / Data </a:t>
                       </a:r>
                       <a:r>
-                        <a:rPr lang="tr-TR" sz="2000" dirty="0" err="1" smtClean="0"/>
+                        <a:rPr lang="tr-TR" sz="2000" dirty="0" err="1"/>
                         <a:t>type</a:t>
                       </a:r>
-                      <a:endParaRPr lang="tr-TR" sz="2000" dirty="0" smtClean="0"/>
+                      <a:endParaRPr lang="tr-TR" sz="2000" dirty="0"/>
                     </a:p>
                   </a:txBody>
                   <a:tcPr anchor="ctr">
@@ -9928,7 +9671,7 @@
                     <a:lstStyle/>
                     <a:p>
                       <a:r>
-                        <a:rPr lang="tr-TR" sz="2000" dirty="0" err="1" smtClean="0"/>
+                        <a:rPr lang="tr-TR" sz="2000" dirty="0" err="1"/>
                         <a:t>Null</a:t>
                       </a:r>
                       <a:endParaRPr lang="tr-TR" sz="2000" dirty="0"/>
@@ -9973,18 +9716,17 @@
                         <a:defRPr/>
                       </a:pPr>
                       <a:r>
-                        <a:rPr lang="tr-TR" sz="2000" dirty="0" smtClean="0"/>
+                        <a:rPr lang="tr-TR" sz="2000" dirty="0"/>
                         <a:t>Kayıt / </a:t>
                       </a:r>
                       <a:r>
-                        <a:rPr lang="tr-TR" sz="2000" dirty="0" err="1" smtClean="0"/>
+                        <a:rPr lang="tr-TR" sz="2000" dirty="0" err="1"/>
                         <a:t>Record</a:t>
                       </a:r>
                       <a:r>
-                        <a:rPr lang="tr-TR" sz="2000" dirty="0" smtClean="0"/>
+                        <a:rPr lang="tr-TR" sz="2000" dirty="0"/>
                         <a:t> / Satır</a:t>
                       </a:r>
-                      <a:endParaRPr lang="tr-TR" sz="2000" dirty="0"/>
                     </a:p>
                   </a:txBody>
                   <a:tcPr anchor="ctr">
@@ -10002,18 +9744,17 @@
                     <a:lstStyle/>
                     <a:p>
                       <a:r>
-                        <a:rPr lang="tr-TR" sz="2000" dirty="0" smtClean="0"/>
+                        <a:rPr lang="tr-TR" sz="2000" dirty="0"/>
                         <a:t>Sonuç Kümesi /</a:t>
                       </a:r>
                       <a:r>
-                        <a:rPr lang="tr-TR" sz="2000" dirty="0" err="1" smtClean="0"/>
+                        <a:rPr lang="tr-TR" sz="2000" dirty="0" err="1"/>
                         <a:t>Result</a:t>
                       </a:r>
                       <a:r>
-                        <a:rPr lang="tr-TR" sz="2000" dirty="0" smtClean="0"/>
+                        <a:rPr lang="tr-TR" sz="2000" dirty="0"/>
                         <a:t> Set</a:t>
                       </a:r>
-                      <a:endParaRPr lang="tr-TR" sz="2000" dirty="0"/>
                     </a:p>
                   </a:txBody>
                   <a:tcPr anchor="ctr">
@@ -10055,11 +9796,11 @@
                         <a:defRPr/>
                       </a:pPr>
                       <a:r>
-                        <a:rPr lang="tr-TR" sz="2000" dirty="0" smtClean="0"/>
+                        <a:rPr lang="tr-TR" sz="2000" dirty="0"/>
                         <a:t>Sütun / </a:t>
                       </a:r>
                       <a:r>
-                        <a:rPr lang="tr-TR" sz="2000" dirty="0" err="1" smtClean="0"/>
+                        <a:rPr lang="tr-TR" sz="2000" dirty="0" err="1"/>
                         <a:t>Column</a:t>
                       </a:r>
                       <a:endParaRPr lang="tr-TR" sz="2000" dirty="0"/>
@@ -10080,11 +9821,11 @@
                     <a:lstStyle/>
                     <a:p>
                       <a:r>
-                        <a:rPr lang="tr-TR" sz="2000" dirty="0" smtClean="0"/>
+                        <a:rPr lang="tr-TR" sz="2000" dirty="0"/>
                         <a:t>Tablo</a:t>
                       </a:r>
                       <a:r>
-                        <a:rPr lang="en-US" sz="2000" dirty="0" smtClean="0"/>
+                        <a:rPr lang="en-US" sz="2000" dirty="0"/>
                         <a:t> /Table</a:t>
                       </a:r>
                       <a:endParaRPr lang="tr-TR" sz="2000" dirty="0"/>
@@ -10112,86 +9853,86 @@
                     <a:lstStyle/>
                     <a:p>
                       <a:r>
-                        <a:rPr lang="tr-TR" sz="2000" dirty="0" err="1" smtClean="0"/>
+                        <a:rPr lang="tr-TR" sz="2000" dirty="0" err="1"/>
                         <a:t>Constraint</a:t>
                       </a:r>
-                      <a:endParaRPr lang="tr-TR" sz="2000" dirty="0" smtClean="0"/>
+                      <a:endParaRPr lang="tr-TR" sz="2000" dirty="0"/>
                     </a:p>
                     <a:p>
                       <a:r>
-                        <a:rPr lang="tr-TR" sz="2000" dirty="0" smtClean="0"/>
+                        <a:rPr lang="tr-TR" sz="2000" dirty="0"/>
                         <a:t>      Birincil anahtar/</a:t>
                       </a:r>
                       <a:r>
-                        <a:rPr lang="tr-TR" sz="2000" dirty="0" err="1" smtClean="0"/>
+                        <a:rPr lang="tr-TR" sz="2000" dirty="0" err="1"/>
                         <a:t>Primary</a:t>
                       </a:r>
                       <a:r>
-                        <a:rPr lang="tr-TR" sz="2000" dirty="0" smtClean="0"/>
+                        <a:rPr lang="tr-TR" sz="2000" dirty="0"/>
                         <a:t> </a:t>
                       </a:r>
                       <a:r>
-                        <a:rPr lang="tr-TR" sz="2000" dirty="0" err="1" smtClean="0"/>
+                        <a:rPr lang="tr-TR" sz="2000" dirty="0" err="1"/>
                         <a:t>Key</a:t>
                       </a:r>
-                      <a:endParaRPr lang="tr-TR" sz="2000" dirty="0" smtClean="0"/>
+                      <a:endParaRPr lang="tr-TR" sz="2000" dirty="0"/>
                     </a:p>
                     <a:p>
                       <a:r>
-                        <a:rPr lang="tr-TR" sz="2000" dirty="0" smtClean="0"/>
+                        <a:rPr lang="tr-TR" sz="2000" dirty="0"/>
                         <a:t>      Yabancı anahtar/</a:t>
                       </a:r>
                       <a:r>
-                        <a:rPr lang="tr-TR" sz="2000" dirty="0" err="1" smtClean="0"/>
+                        <a:rPr lang="tr-TR" sz="2000" dirty="0" err="1"/>
                         <a:t>Foreign</a:t>
                       </a:r>
                       <a:r>
-                        <a:rPr lang="tr-TR" sz="2000" dirty="0" smtClean="0"/>
+                        <a:rPr lang="tr-TR" sz="2000" dirty="0"/>
                         <a:t> </a:t>
                       </a:r>
                       <a:r>
-                        <a:rPr lang="tr-TR" sz="2000" dirty="0" err="1" smtClean="0"/>
+                        <a:rPr lang="tr-TR" sz="2000" dirty="0" err="1"/>
                         <a:t>Key</a:t>
                       </a:r>
-                      <a:endParaRPr lang="tr-TR" sz="2000" dirty="0" smtClean="0"/>
+                      <a:endParaRPr lang="tr-TR" sz="2000" dirty="0"/>
                     </a:p>
                     <a:p>
                       <a:r>
-                        <a:rPr lang="tr-TR" sz="2000" dirty="0" smtClean="0"/>
+                        <a:rPr lang="tr-TR" sz="2000" dirty="0"/>
                         <a:t>      Tekil anahtar/</a:t>
                       </a:r>
                       <a:r>
-                        <a:rPr lang="tr-TR" sz="2000" dirty="0" err="1" smtClean="0"/>
+                        <a:rPr lang="tr-TR" sz="2000" dirty="0" err="1"/>
                         <a:t>Unique</a:t>
                       </a:r>
                       <a:r>
-                        <a:rPr lang="tr-TR" sz="2000" dirty="0" smtClean="0"/>
+                        <a:rPr lang="tr-TR" sz="2000" dirty="0"/>
                         <a:t> </a:t>
                       </a:r>
                       <a:r>
-                        <a:rPr lang="tr-TR" sz="2000" dirty="0" err="1" smtClean="0"/>
+                        <a:rPr lang="tr-TR" sz="2000" dirty="0" err="1"/>
                         <a:t>Key</a:t>
                       </a:r>
-                      <a:endParaRPr lang="tr-TR" sz="2000" dirty="0" smtClean="0"/>
+                      <a:endParaRPr lang="tr-TR" sz="2000" dirty="0"/>
                     </a:p>
                     <a:p>
                       <a:r>
-                        <a:rPr lang="tr-TR" sz="2000" dirty="0" smtClean="0"/>
+                        <a:rPr lang="tr-TR" sz="2000" dirty="0"/>
                         <a:t>      </a:t>
                       </a:r>
                       <a:r>
-                        <a:rPr lang="tr-TR" sz="2000" dirty="0" err="1" smtClean="0"/>
+                        <a:rPr lang="tr-TR" sz="2000" dirty="0" err="1"/>
                         <a:t>Default</a:t>
                       </a:r>
-                      <a:endParaRPr lang="tr-TR" sz="2000" dirty="0" smtClean="0"/>
+                      <a:endParaRPr lang="tr-TR" sz="2000" dirty="0"/>
                     </a:p>
                     <a:p>
                       <a:r>
-                        <a:rPr lang="tr-TR" sz="2000" dirty="0" smtClean="0"/>
+                        <a:rPr lang="tr-TR" sz="2000" dirty="0"/>
                         <a:t>      </a:t>
                       </a:r>
                       <a:r>
-                        <a:rPr lang="tr-TR" sz="2000" dirty="0" err="1" smtClean="0"/>
+                        <a:rPr lang="tr-TR" sz="2000" dirty="0" err="1"/>
                         <a:t>Check</a:t>
                       </a:r>
                       <a:endParaRPr lang="tr-TR" sz="2000" dirty="0"/>
@@ -10212,46 +9953,45 @@
                     <a:lstStyle/>
                     <a:p>
                       <a:r>
-                        <a:rPr lang="tr-TR" sz="2000" dirty="0" smtClean="0"/>
+                        <a:rPr lang="tr-TR" sz="2000" dirty="0"/>
                         <a:t>Index</a:t>
                       </a:r>
                     </a:p>
                     <a:p>
                       <a:r>
-                        <a:rPr lang="tr-TR" sz="2000" dirty="0" smtClean="0"/>
+                        <a:rPr lang="tr-TR" sz="2000" dirty="0"/>
                         <a:t>     </a:t>
                       </a:r>
                       <a:r>
-                        <a:rPr lang="tr-TR" sz="2000" dirty="0" err="1" smtClean="0"/>
+                        <a:rPr lang="tr-TR" sz="2000" dirty="0" err="1"/>
                         <a:t>Clustered</a:t>
                       </a:r>
                       <a:r>
-                        <a:rPr lang="tr-TR" sz="2000" dirty="0" smtClean="0"/>
+                        <a:rPr lang="tr-TR" sz="2000" dirty="0"/>
                         <a:t> (Fiziksel sıralar)</a:t>
                       </a:r>
                     </a:p>
                     <a:p>
                       <a:r>
-                        <a:rPr lang="tr-TR" sz="2000" dirty="0" smtClean="0"/>
+                        <a:rPr lang="tr-TR" sz="2000" dirty="0"/>
                         <a:t>     </a:t>
                       </a:r>
                       <a:r>
-                        <a:rPr lang="tr-TR" sz="2000" dirty="0" err="1" smtClean="0"/>
+                        <a:rPr lang="tr-TR" sz="2000" dirty="0" err="1"/>
                         <a:t>Non-Clustered</a:t>
                       </a:r>
                       <a:r>
-                        <a:rPr lang="tr-TR" sz="2000" dirty="0" smtClean="0"/>
+                        <a:rPr lang="tr-TR" sz="2000" dirty="0"/>
                         <a:t> (Fiziksel</a:t>
                       </a:r>
                       <a:r>
-                        <a:rPr lang="tr-TR" sz="2000" baseline="0" dirty="0" smtClean="0"/>
+                        <a:rPr lang="tr-TR" sz="2000" baseline="0" dirty="0"/>
                         <a:t> Sıralamaz</a:t>
                       </a:r>
                       <a:r>
-                        <a:rPr lang="tr-TR" sz="2000" dirty="0" smtClean="0"/>
+                        <a:rPr lang="tr-TR" sz="2000" dirty="0"/>
                         <a:t>)</a:t>
                       </a:r>
-                      <a:endParaRPr lang="tr-TR" sz="2000" dirty="0"/>
                     </a:p>
                   </a:txBody>
                   <a:tcPr>
@@ -10283,13 +10023,6 @@
   <p:clrMapOvr>
     <a:masterClrMapping/>
   </p:clrMapOvr>
-  <p:timing>
-    <p:tnLst>
-      <p:par>
-        <p:cTn id="1" dur="indefinite" restart="never" nodeType="tmRoot"/>
-      </p:par>
-    </p:tnLst>
-  </p:timing>
 </p:sld>
 </file>
 
@@ -10350,16 +10083,12 @@
           <a:p>
             <a:pPr algn="just"/>
             <a:r>
-              <a:rPr lang="tr-TR" dirty="0" err="1" smtClean="0"/>
+              <a:rPr lang="tr-TR" dirty="0" err="1"/>
               <a:t>Veritabanı</a:t>
             </a:r>
             <a:r>
-              <a:rPr lang="tr-TR" dirty="0" smtClean="0"/>
-              <a:t> </a:t>
-            </a:r>
-            <a:r>
               <a:rPr lang="tr-TR" dirty="0"/>
-              <a:t>oluşturulmasında ya da verinin yönetilmesinde 2 yaklaşımdan söz edilebilir.</a:t>
+              <a:t> oluşturulmasında ya da verinin yönetilmesinde 2 yaklaşımdan söz edilebilir.</a:t>
             </a:r>
           </a:p>
           <a:p>
@@ -10384,16 +10113,12 @@
               <a:t>2. </a:t>
             </a:r>
             <a:r>
-              <a:rPr lang="tr-TR" dirty="0" err="1" smtClean="0"/>
+              <a:rPr lang="tr-TR" dirty="0" err="1"/>
               <a:t>Veritabanı</a:t>
             </a:r>
             <a:r>
-              <a:rPr lang="tr-TR" dirty="0" smtClean="0"/>
-              <a:t> </a:t>
-            </a:r>
-            <a:r>
               <a:rPr lang="tr-TR" dirty="0"/>
-              <a:t>Yaklaşımı</a:t>
+              <a:t> Yaklaşımı</a:t>
             </a:r>
           </a:p>
         </p:txBody>
@@ -10408,13 +10133,6 @@
   <p:clrMapOvr>
     <a:masterClrMapping/>
   </p:clrMapOvr>
-  <p:timing>
-    <p:tnLst>
-      <p:par>
-        <p:cTn id="1" dur="indefinite" restart="never" nodeType="tmRoot"/>
-      </p:par>
-    </p:tnLst>
-  </p:timing>
 </p:sld>
 </file>
 
@@ -10481,36 +10199,12 @@
               <a:t>Geleneksel Yaklaşım (Dosya Sistemleri), kağıt ortamındaki </a:t>
             </a:r>
             <a:r>
-              <a:rPr lang="tr-TR" dirty="0" err="1" smtClean="0"/>
+              <a:rPr lang="tr-TR" dirty="0" err="1"/>
               <a:t>veritabanlarıdır</a:t>
             </a:r>
             <a:r>
               <a:rPr lang="tr-TR" dirty="0"/>
-              <a:t>. </a:t>
-            </a:r>
-            <a:r>
-              <a:rPr lang="tr-TR" dirty="0" smtClean="0"/>
-              <a:t>Daha sonra </a:t>
-            </a:r>
-            <a:r>
-              <a:rPr lang="tr-TR" dirty="0"/>
-              <a:t>bu dosyalama mantığı bilgisayar ortamına da taşınmıştır. Dünyadaki bilginin önemli </a:t>
-            </a:r>
-            <a:r>
-              <a:rPr lang="tr-TR" dirty="0" smtClean="0"/>
-              <a:t>bir kısmını </a:t>
-            </a:r>
-            <a:r>
-              <a:rPr lang="tr-TR" dirty="0"/>
-              <a:t>bu tür sistemler içeriyor ve Dosya tabanlı veri işleme sistemleri erken dönem (genelde</a:t>
-            </a:r>
-            <a:r>
-              <a:rPr lang="tr-TR" dirty="0" smtClean="0"/>
-              <a:t>) iş </a:t>
-            </a:r>
-            <a:r>
-              <a:rPr lang="tr-TR" dirty="0"/>
-              <a:t>verilerinin toptan işlenmesi (</a:t>
+              <a:t>. Daha sonra bu dosyalama mantığı bilgisayar ortamına da taşınmıştır. Dünyadaki bilginin önemli bir kısmını bu tür sistemler içeriyor ve Dosya tabanlı veri işleme sistemleri erken dönem (genelde) iş verilerinin toptan işlenmesi (</a:t>
             </a:r>
             <a:r>
               <a:rPr lang="tr-TR" dirty="0" err="1"/>
@@ -10582,13 +10276,6 @@
   <p:clrMapOvr>
     <a:masterClrMapping/>
   </p:clrMapOvr>
-  <p:timing>
-    <p:tnLst>
-      <p:par>
-        <p:cTn id="1" dur="indefinite" restart="never" nodeType="tmRoot"/>
-      </p:par>
-    </p:tnLst>
-  </p:timing>
 </p:sld>
 </file>
 
@@ -10772,36 +10459,8 @@
           <a:p>
             <a:pPr algn="just"/>
             <a:r>
-              <a:rPr lang="tr-TR" dirty="0" smtClean="0"/>
-              <a:t>Bilgisayarların kullanılmaya </a:t>
-            </a:r>
-            <a:r>
               <a:rPr lang="tr-TR" dirty="0"/>
-              <a:t>başlanmasıyla bilgiler yine yukarda anlatılan teknikle fakat dolap </a:t>
-            </a:r>
-            <a:r>
-              <a:rPr lang="tr-TR" dirty="0" smtClean="0"/>
-              <a:t>veya çekmeceler </a:t>
-            </a:r>
-            <a:r>
-              <a:rPr lang="tr-TR" dirty="0"/>
-              <a:t>yerine elektronik ortamlarda saklanmaya başlanmıştır. Veri saklama </a:t>
-            </a:r>
-            <a:r>
-              <a:rPr lang="tr-TR" dirty="0" smtClean="0"/>
-              <a:t>birimlerinde depolanan </a:t>
-            </a:r>
-            <a:r>
-              <a:rPr lang="tr-TR" dirty="0"/>
-              <a:t>veri topluluklarına "dosya" adı verilmektedir. Bu sistemlerde saklanacak bilgilerle</a:t>
-            </a:r>
-            <a:r>
-              <a:rPr lang="tr-TR" dirty="0" smtClean="0"/>
-              <a:t>, saklayacak </a:t>
-            </a:r>
-            <a:r>
-              <a:rPr lang="tr-TR" dirty="0"/>
-              <a:t>ve işleyecek programlar birbirine bağımlı olarak çalışır. </a:t>
+              <a:t>Bilgisayarların kullanılmaya başlanmasıyla bilgiler yine yukarda anlatılan teknikle fakat dolap veya çekmeceler yerine elektronik ortamlarda saklanmaya başlanmıştır. Veri saklama birimlerinde depolanan veri topluluklarına "dosya" adı verilmektedir. Bu sistemlerde saklanacak bilgilerle, saklayacak ve işleyecek programlar birbirine bağımlı olarak çalışır. </a:t>
             </a:r>
           </a:p>
         </p:txBody>
@@ -10816,13 +10475,6 @@
   <p:clrMapOvr>
     <a:masterClrMapping/>
   </p:clrMapOvr>
-  <p:timing>
-    <p:tnLst>
-      <p:par>
-        <p:cTn id="1" dur="indefinite" restart="never" nodeType="tmRoot"/>
-      </p:par>
-    </p:tnLst>
-  </p:timing>
 </p:sld>
 </file>
 
@@ -10979,32 +10631,12 @@
           <a:p>
             <a:pPr lvl="1" algn="just"/>
             <a:r>
-              <a:rPr lang="tr-TR" b="1" dirty="0" smtClean="0"/>
-              <a:t>Veri </a:t>
-            </a:r>
-            <a:r>
               <a:rPr lang="tr-TR" b="1" dirty="0"/>
-              <a:t>Tekrarı: </a:t>
+              <a:t>Veri Tekrarı: </a:t>
             </a:r>
             <a:r>
               <a:rPr lang="tr-TR" dirty="0"/>
-              <a:t>Aynı veri çeşitli dosyalarda birden fazla yer alabilmektedir </a:t>
-            </a:r>
-            <a:r>
-              <a:rPr lang="tr-TR" dirty="0" smtClean="0"/>
-              <a:t>buda sistemin </a:t>
-            </a:r>
-            <a:r>
-              <a:rPr lang="tr-TR" dirty="0"/>
-              <a:t>hantallaşmasına neden olur. Mesela bir stok dosyasında stok numarası </a:t>
-            </a:r>
-            <a:r>
-              <a:rPr lang="tr-TR" dirty="0" smtClean="0"/>
-              <a:t>verisinin malzeme </a:t>
-            </a:r>
-            <a:r>
-              <a:rPr lang="tr-TR" dirty="0"/>
-              <a:t>dosyasında, fatura dosyasında ve ambar girişi dosyasında yer alması gibi.</a:t>
+              <a:t>Aynı veri çeşitli dosyalarda birden fazla yer alabilmektedir buda sistemin hantallaşmasına neden olur. Mesela bir stok dosyasında stok numarası verisinin malzeme dosyasında, fatura dosyasında ve ambar girişi dosyasında yer alması gibi.</a:t>
             </a:r>
           </a:p>
         </p:txBody>
@@ -11060,13 +10692,6 @@
   <p:clrMapOvr>
     <a:masterClrMapping/>
   </p:clrMapOvr>
-  <p:timing>
-    <p:tnLst>
-      <p:par>
-        <p:cTn id="1" dur="indefinite" restart="never" nodeType="tmRoot"/>
-      </p:par>
-    </p:tnLst>
-  </p:timing>
 </p:sld>
 </file>
 
@@ -11134,23 +10759,7 @@
             </a:r>
             <a:r>
               <a:rPr lang="tr-TR" dirty="0"/>
-              <a:t>Veri birden fazla dosyada </a:t>
-            </a:r>
-            <a:r>
-              <a:rPr lang="tr-TR" dirty="0" smtClean="0"/>
-              <a:t>tekrar edilebildiği </a:t>
-            </a:r>
-            <a:r>
-              <a:rPr lang="tr-TR" dirty="0"/>
-              <a:t>için, verinin bir dosyada güncellenip diğerlerinde güncellenmemesi </a:t>
-            </a:r>
-            <a:r>
-              <a:rPr lang="tr-TR" dirty="0" smtClean="0"/>
-              <a:t>Veri Bütünlüğünün </a:t>
-            </a:r>
-            <a:r>
-              <a:rPr lang="tr-TR" dirty="0"/>
-              <a:t>(Data </a:t>
+              <a:t>Veri birden fazla dosyada tekrar edilebildiği için, verinin bir dosyada güncellenip diğerlerinde güncellenmemesi Veri Bütünlüğünün (Data </a:t>
             </a:r>
             <a:r>
               <a:rPr lang="tr-TR" dirty="0" err="1"/>
@@ -11158,21 +10767,8 @@
             </a:r>
             <a:r>
               <a:rPr lang="tr-TR" dirty="0"/>
-              <a:t>) bozulmasına neden olabilir. Buna bağlı olarak birbiri ile </a:t>
-            </a:r>
-            <a:r>
-              <a:rPr lang="tr-TR" dirty="0" smtClean="0"/>
-              <a:t>çelişen raporlar </a:t>
-            </a:r>
-            <a:r>
-              <a:rPr lang="tr-TR" dirty="0"/>
-              <a:t>üretilebilir</a:t>
-            </a:r>
-            <a:r>
-              <a:rPr lang="tr-TR" dirty="0" smtClean="0"/>
-              <a:t>.</a:t>
-            </a:r>
-            <a:endParaRPr lang="tr-TR" dirty="0"/>
+              <a:t>) bozulmasına neden olabilir. Buna bağlı olarak birbiri ile çelişen raporlar üretilebilir.</a:t>
+            </a:r>
           </a:p>
         </p:txBody>
       </p:sp>
@@ -11186,13 +10782,6 @@
   <p:clrMapOvr>
     <a:masterClrMapping/>
   </p:clrMapOvr>
-  <p:timing>
-    <p:tnLst>
-      <p:par>
-        <p:cTn id="1" dur="indefinite" restart="never" nodeType="tmRoot"/>
-      </p:par>
-    </p:tnLst>
-  </p:timing>
 </p:sld>
 </file>
 
@@ -11313,7 +10902,7 @@
           <a:lstStyle/>
           <a:p>
             <a:r>
-              <a:rPr lang="tr-TR" dirty="0" smtClean="0"/>
+              <a:rPr lang="tr-TR" dirty="0"/>
               <a:t>Dönem Projesi</a:t>
             </a:r>
             <a:endParaRPr lang="en-US" dirty="0"/>
@@ -11333,22 +10922,14 @@
         <p:spPr/>
         <p:txBody>
           <a:bodyPr>
-            <a:normAutofit fontScale="62500" lnSpcReduction="20000"/>
+            <a:normAutofit fontScale="70000" lnSpcReduction="20000"/>
           </a:bodyPr>
           <a:lstStyle/>
           <a:p>
             <a:pPr algn="just"/>
             <a:r>
               <a:rPr lang="en-US" dirty="0"/>
-              <a:t>Change </a:t>
-            </a:r>
-            <a:r>
-              <a:rPr lang="en-US" dirty="0" smtClean="0"/>
-              <a:t>Data </a:t>
-            </a:r>
-            <a:r>
-              <a:rPr lang="en-US" dirty="0"/>
-              <a:t>Capture </a:t>
+              <a:t>Change Data Capture </a:t>
             </a:r>
             <a:r>
               <a:rPr lang="en-US" dirty="0" err="1"/>
@@ -11375,20 +10956,16 @@
               <a:t> </a:t>
             </a:r>
             <a:r>
-              <a:rPr lang="en-US" dirty="0" err="1" smtClean="0"/>
+              <a:rPr lang="en-US" dirty="0" err="1"/>
               <a:t>Senkronizasyonu</a:t>
             </a:r>
-            <a:endParaRPr lang="tr-TR" dirty="0" smtClean="0"/>
+            <a:endParaRPr lang="tr-TR" dirty="0"/>
           </a:p>
           <a:p>
             <a:pPr lvl="1" algn="just"/>
             <a:r>
-              <a:rPr lang="en-US" dirty="0" err="1"/>
-              <a:t>Bir</a:t>
-            </a:r>
-            <a:r>
-              <a:rPr lang="en-US" dirty="0"/>
-              <a:t> e-</a:t>
+              <a:rPr lang="en-US" dirty="0"/>
+              <a:t>Bir e-</a:t>
             </a:r>
             <a:r>
               <a:rPr lang="en-US" dirty="0" err="1"/>
@@ -11428,15 +11005,7 @@
             </a:r>
             <a:r>
               <a:rPr lang="en-US" dirty="0"/>
-              <a:t> (</a:t>
-            </a:r>
-            <a:r>
-              <a:rPr lang="en-US" dirty="0" err="1"/>
-              <a:t>yeni</a:t>
-            </a:r>
-            <a:r>
-              <a:rPr lang="en-US" dirty="0"/>
-              <a:t> </a:t>
+              <a:t> (yeni </a:t>
             </a:r>
             <a:r>
               <a:rPr lang="en-US" dirty="0" err="1"/>
@@ -11527,19 +11096,19 @@
               <a:t> </a:t>
             </a:r>
             <a:r>
-              <a:rPr lang="en-US" dirty="0" err="1" smtClean="0"/>
+              <a:rPr lang="en-US" dirty="0" err="1"/>
               <a:t>sisteme</a:t>
             </a:r>
             <a:r>
-              <a:rPr lang="en-US" dirty="0" smtClean="0"/>
-              <a:t> </a:t>
-            </a:r>
-            <a:r>
-              <a:rPr lang="en-US" dirty="0" err="1" smtClean="0"/>
+              <a:rPr lang="en-US" dirty="0"/>
+              <a:t> </a:t>
+            </a:r>
+            <a:r>
+              <a:rPr lang="en-US" dirty="0" err="1"/>
               <a:t>yansıtılması</a:t>
             </a:r>
             <a:r>
-              <a:rPr lang="en-US" dirty="0" smtClean="0"/>
+              <a:rPr lang="en-US" dirty="0"/>
               <a:t> </a:t>
             </a:r>
             <a:r>
@@ -11547,13 +11116,9 @@
               <a:t>gerekiyor</a:t>
             </a:r>
             <a:r>
-              <a:rPr lang="en-US" dirty="0" smtClean="0"/>
+              <a:rPr lang="en-US"/>
               <a:t>.</a:t>
             </a:r>
-            <a:endParaRPr lang="tr-TR" dirty="0" smtClean="0"/>
-          </a:p>
-          <a:p>
-            <a:pPr lvl="1" algn="just"/>
             <a:endParaRPr lang="tr-TR" dirty="0"/>
           </a:p>
           <a:p>
@@ -11597,15 +11162,15 @@
           <a:p>
             <a:pPr lvl="1" algn="just"/>
             <a:r>
-              <a:rPr lang="tr-TR" dirty="0" smtClean="0"/>
+              <a:rPr lang="tr-TR" dirty="0"/>
               <a:t>B</a:t>
             </a:r>
             <a:r>
-              <a:rPr lang="en-US" dirty="0" err="1" smtClean="0"/>
+              <a:rPr lang="en-US" dirty="0" err="1"/>
               <a:t>asit</a:t>
             </a:r>
             <a:r>
-              <a:rPr lang="en-US" dirty="0" smtClean="0"/>
+              <a:rPr lang="en-US" dirty="0"/>
               <a:t> </a:t>
             </a:r>
             <a:r>
@@ -11707,15 +11272,15 @@
           <a:p>
             <a:pPr lvl="1" algn="just"/>
             <a:r>
-              <a:rPr lang="tr-TR" dirty="0" smtClean="0"/>
+              <a:rPr lang="tr-TR" dirty="0"/>
               <a:t>V</a:t>
             </a:r>
             <a:r>
-              <a:rPr lang="en-US" dirty="0" err="1" smtClean="0"/>
+              <a:rPr lang="en-US" dirty="0" err="1"/>
               <a:t>eritabanındaki</a:t>
             </a:r>
             <a:r>
-              <a:rPr lang="en-US" dirty="0" smtClean="0"/>
+              <a:rPr lang="en-US" dirty="0"/>
               <a:t> </a:t>
             </a:r>
             <a:r>
@@ -11890,11 +11455,7 @@
             </a:r>
             <a:r>
               <a:rPr lang="en-US" dirty="0"/>
-              <a:t> </a:t>
-            </a:r>
-            <a:r>
-              <a:rPr lang="en-US" dirty="0" smtClean="0"/>
-              <a:t>(</a:t>
+              <a:t> (</a:t>
             </a:r>
             <a:r>
               <a:rPr lang="en-US" dirty="0" err="1"/>
@@ -11913,23 +11474,19 @@
               <a:t> </a:t>
             </a:r>
             <a:r>
-              <a:rPr lang="en-US" dirty="0" err="1" smtClean="0"/>
+              <a:rPr lang="en-US" dirty="0" err="1"/>
               <a:t>tabanı</a:t>
             </a:r>
             <a:r>
-              <a:rPr lang="tr-TR" dirty="0" smtClean="0"/>
+              <a:rPr lang="tr-TR" dirty="0"/>
               <a:t> (</a:t>
             </a:r>
             <a:r>
               <a:rPr lang="en-US" dirty="0"/>
-              <a:t>Apache </a:t>
-            </a:r>
-            <a:r>
-              <a:rPr lang="en-US" dirty="0" smtClean="0"/>
-              <a:t>Hive</a:t>
-            </a:r>
-            <a:r>
-              <a:rPr lang="tr-TR" dirty="0" smtClean="0"/>
+              <a:t>Apache Hive</a:t>
+            </a:r>
+            <a:r>
+              <a:rPr lang="tr-TR" dirty="0"/>
               <a:t>, </a:t>
             </a:r>
             <a:r>
@@ -11937,15 +11494,15 @@
               <a:t>Google </a:t>
             </a:r>
             <a:r>
-              <a:rPr lang="en-US" dirty="0" err="1" smtClean="0"/>
+              <a:rPr lang="en-US" dirty="0" err="1"/>
               <a:t>BigQuery</a:t>
             </a:r>
             <a:r>
-              <a:rPr lang="tr-TR" dirty="0" smtClean="0"/>
+              <a:rPr lang="tr-TR" dirty="0"/>
               <a:t> vb.</a:t>
             </a:r>
             <a:r>
-              <a:rPr lang="en-US" dirty="0" smtClean="0"/>
+              <a:rPr lang="en-US" dirty="0"/>
               <a:t> </a:t>
             </a:r>
             <a:r>
@@ -12166,33 +11723,12 @@
             </a:r>
             <a:r>
               <a:rPr lang="tr-TR" dirty="0"/>
-              <a:t>Verilerin dosya sisteminde </a:t>
-            </a:r>
-            <a:r>
-              <a:rPr lang="tr-TR" dirty="0" smtClean="0"/>
-              <a:t>saklandığı ortamlar </a:t>
-            </a:r>
-            <a:r>
-              <a:rPr lang="tr-TR" dirty="0"/>
-              <a:t>için değişik programlama dillerinden bir tanesi kullanılır. Kullanılan bu </a:t>
-            </a:r>
-            <a:r>
-              <a:rPr lang="tr-TR" dirty="0" smtClean="0"/>
-              <a:t>programlama </a:t>
-            </a:r>
-            <a:r>
-              <a:rPr lang="it-IT" dirty="0" smtClean="0"/>
-              <a:t>dili </a:t>
+              <a:t>Verilerin dosya sisteminde saklandığı ortamlar için değişik programlama dillerinden bir tanesi kullanılır. Kullanılan bu programlama </a:t>
             </a:r>
             <a:r>
               <a:rPr lang="it-IT" dirty="0"/>
-              <a:t>ise SQL dili gibi esnek değildir</a:t>
-            </a:r>
-            <a:r>
-              <a:rPr lang="it-IT" dirty="0" smtClean="0"/>
-              <a:t>.</a:t>
-            </a:r>
-            <a:endParaRPr lang="it-IT" dirty="0"/>
+              <a:t>dili ise SQL dili gibi esnek değildir.</a:t>
+            </a:r>
           </a:p>
         </p:txBody>
       </p:sp>
@@ -12206,13 +11742,6 @@
   <p:clrMapOvr>
     <a:masterClrMapping/>
   </p:clrMapOvr>
-  <p:timing>
-    <p:tnLst>
-      <p:par>
-        <p:cTn id="1" dur="indefinite" restart="never" nodeType="tmRoot"/>
-      </p:par>
-    </p:tnLst>
-  </p:timing>
 </p:sld>
 </file>
 
@@ -12372,47 +11901,7 @@
             <a:pPr algn="just"/>
             <a:r>
               <a:rPr lang="tr-TR" dirty="0"/>
-              <a:t>Bu yaklaşımda her bir uygulama, birleştirilmiş veri dosyalarını kullanmaktadır. </a:t>
-            </a:r>
-            <a:r>
-              <a:rPr lang="tr-TR" dirty="0" smtClean="0"/>
-              <a:t>Yani veri </a:t>
-            </a:r>
-            <a:r>
-              <a:rPr lang="tr-TR" dirty="0"/>
-              <a:t>dosyaları bütünleştirilmiştir. Bu yaklaşım, verinin birden fazla program </a:t>
-            </a:r>
-            <a:r>
-              <a:rPr lang="tr-TR" dirty="0" smtClean="0"/>
-              <a:t>tarafından kullanılmasına </a:t>
-            </a:r>
-            <a:r>
-              <a:rPr lang="tr-TR" dirty="0"/>
-              <a:t>izin veren bir yaklaşımdır. Veri yönetimine VT yaklaşımını kullanmak için </a:t>
-            </a:r>
-            <a:r>
-              <a:rPr lang="tr-TR" dirty="0" smtClean="0"/>
-              <a:t>ilave yazılım </a:t>
-            </a:r>
-            <a:r>
-              <a:rPr lang="tr-TR" dirty="0"/>
-              <a:t>yani VTYS gerekmektedir. VTYS, bir organizasyonun, veriyi merkezileştirmesine</a:t>
-            </a:r>
-            <a:r>
-              <a:rPr lang="tr-TR" dirty="0" smtClean="0"/>
-              <a:t>, onları </a:t>
-            </a:r>
-            <a:r>
-              <a:rPr lang="tr-TR" dirty="0"/>
-              <a:t>etkin bir şekilde idare etmesine ve saklanmış veriye uygulama </a:t>
-            </a:r>
-            <a:r>
-              <a:rPr lang="tr-TR" dirty="0" smtClean="0"/>
-              <a:t>programlarınca erişilmesine </a:t>
-            </a:r>
-            <a:r>
-              <a:rPr lang="tr-TR" dirty="0"/>
-              <a:t>imkân sağlayan bir yazılımı tanımlamaktadır.</a:t>
+              <a:t>Bu yaklaşımda her bir uygulama, birleştirilmiş veri dosyalarını kullanmaktadır. Yani veri dosyaları bütünleştirilmiştir. Bu yaklaşım, verinin birden fazla program tarafından kullanılmasına izin veren bir yaklaşımdır. Veri yönetimine VT yaklaşımını kullanmak için ilave yazılım yani VTYS gerekmektedir. VTYS, bir organizasyonun, veriyi merkezileştirmesine, onları etkin bir şekilde idare etmesine ve saklanmış veriye uygulama programlarınca erişilmesine imkân sağlayan bir yazılımı tanımlamaktadır.</a:t>
             </a:r>
           </a:p>
         </p:txBody>
@@ -12468,13 +11957,6 @@
   <p:clrMapOvr>
     <a:masterClrMapping/>
   </p:clrMapOvr>
-  <p:timing>
-    <p:tnLst>
-      <p:par>
-        <p:cTn id="1" dur="indefinite" restart="never" nodeType="tmRoot"/>
-      </p:par>
-    </p:tnLst>
-  </p:timing>
 </p:sld>
 </file>
 
@@ -12542,14 +12024,10 @@
             <a:pPr algn="just"/>
             <a:r>
               <a:rPr lang="es-ES" dirty="0"/>
-              <a:t>Bir VTYS, uygulama programlan </a:t>
-            </a:r>
-            <a:r>
-              <a:rPr lang="es-ES" dirty="0" smtClean="0"/>
-              <a:t>ve</a:t>
-            </a:r>
-            <a:r>
-              <a:rPr lang="tr-TR" dirty="0" smtClean="0"/>
+              <a:t>Bir VTYS, uygulama programlan ve</a:t>
+            </a:r>
+            <a:r>
+              <a:rPr lang="tr-TR" dirty="0"/>
               <a:t> fiziksel </a:t>
             </a:r>
             <a:r>
@@ -12569,40 +12047,20 @@
               <a:t> olarak görev yapmaktadır. VTYS; bir </a:t>
             </a:r>
             <a:r>
-              <a:rPr lang="tr-TR" dirty="0" err="1" smtClean="0"/>
+              <a:rPr lang="tr-TR" dirty="0" err="1"/>
               <a:t>veritabanını</a:t>
             </a:r>
             <a:r>
-              <a:rPr lang="tr-TR" dirty="0" smtClean="0"/>
-              <a:t> oluşturmak</a:t>
-            </a:r>
-            <a:r>
               <a:rPr lang="tr-TR" dirty="0"/>
-              <a:t>, üzerinde istenilen bilgiyi aramak, gerektiğinde bilgi </a:t>
-            </a:r>
-            <a:r>
-              <a:rPr lang="tr-TR" dirty="0" smtClean="0"/>
-              <a:t>eklemek-silmek-değiştirmek ve </a:t>
-            </a:r>
-            <a:r>
-              <a:rPr lang="tr-TR" dirty="0" err="1" smtClean="0"/>
+              <a:t> oluşturmak, üzerinde istenilen bilgiyi aramak, gerektiğinde bilgi eklemek-silmek-değiştirmek ve </a:t>
+            </a:r>
+            <a:r>
+              <a:rPr lang="tr-TR" dirty="0" err="1"/>
               <a:t>veritabanı</a:t>
             </a:r>
             <a:r>
-              <a:rPr lang="tr-TR" dirty="0" smtClean="0"/>
-              <a:t> </a:t>
-            </a:r>
-            <a:r>
               <a:rPr lang="tr-TR" dirty="0"/>
-              <a:t>ile ilgili her türlü işletim gereksinimleri karşılamak için kullanılan geniş </a:t>
-            </a:r>
-            <a:r>
-              <a:rPr lang="tr-TR" dirty="0" smtClean="0"/>
-              <a:t>kapsamlı yazılım </a:t>
-            </a:r>
-            <a:r>
-              <a:rPr lang="tr-TR" dirty="0"/>
-              <a:t>sistemidir. </a:t>
+              <a:t> ile ilgili her türlü işletim gereksinimleri karşılamak için kullanılan geniş kapsamlı yazılım sistemidir. </a:t>
             </a:r>
           </a:p>
         </p:txBody>
@@ -12658,13 +12116,6 @@
   <p:clrMapOvr>
     <a:masterClrMapping/>
   </p:clrMapOvr>
-  <p:timing>
-    <p:tnLst>
-      <p:par>
-        <p:cTn id="1" dur="indefinite" restart="never" nodeType="tmRoot"/>
-      </p:par>
-    </p:tnLst>
-  </p:timing>
 </p:sld>
 </file>
 
@@ -12944,13 +12395,6 @@
   <p:clrMapOvr>
     <a:masterClrMapping/>
   </p:clrMapOvr>
-  <p:timing>
-    <p:tnLst>
-      <p:par>
-        <p:cTn id="1" dur="indefinite" restart="never" nodeType="tmRoot"/>
-      </p:par>
-    </p:tnLst>
-  </p:timing>
 </p:sld>
 </file>
 
@@ -13014,77 +12458,50 @@
             </a:r>
             <a:r>
               <a:rPr lang="tr-TR" dirty="0"/>
-              <a:t> Yönetim </a:t>
-            </a:r>
-            <a:r>
-              <a:rPr lang="tr-TR" dirty="0" smtClean="0"/>
-              <a:t>Sistemleri 1-2 </a:t>
-            </a:r>
-            <a:r>
-              <a:rPr lang="tr-TR" dirty="0" err="1" smtClean="0"/>
+              <a:t> Yönetim Sistemleri 1-2 </a:t>
+            </a:r>
+            <a:r>
+              <a:rPr lang="tr-TR" dirty="0" err="1"/>
               <a:t>Turtgut</a:t>
             </a:r>
             <a:r>
-              <a:rPr lang="tr-TR" dirty="0" smtClean="0"/>
-              <a:t> </a:t>
-            </a:r>
-            <a:r>
-              <a:rPr lang="tr-TR" dirty="0" err="1" smtClean="0"/>
+              <a:rPr lang="tr-TR" dirty="0"/>
+              <a:t> </a:t>
+            </a:r>
+            <a:r>
+              <a:rPr lang="tr-TR" dirty="0" err="1"/>
               <a:t>Özseven</a:t>
             </a:r>
-            <a:endParaRPr lang="tr-TR" dirty="0" smtClean="0"/>
-          </a:p>
-          <a:p>
-            <a:r>
-              <a:rPr lang="tr-TR" dirty="0" err="1" smtClean="0"/>
+            <a:endParaRPr lang="tr-TR" dirty="0"/>
+          </a:p>
+          <a:p>
+            <a:r>
+              <a:rPr lang="tr-TR" dirty="0" err="1"/>
               <a:t>Veritabanı</a:t>
             </a:r>
             <a:r>
-              <a:rPr lang="tr-TR" dirty="0" smtClean="0"/>
-              <a:t> Yönetim Sistemleri-İbrahim </a:t>
-            </a:r>
-            <a:r>
               <a:rPr lang="tr-TR" dirty="0"/>
-              <a:t>Çil</a:t>
-            </a:r>
-          </a:p>
-          <a:p>
-            <a:r>
-              <a:rPr lang="tr-TR" dirty="0" smtClean="0"/>
+              <a:t> Yönetim Sistemleri-İbrahim Çil</a:t>
+            </a:r>
+          </a:p>
+          <a:p>
+            <a:r>
+              <a:rPr lang="tr-TR" dirty="0"/>
               <a:t>Programlama ve </a:t>
             </a:r>
             <a:r>
-              <a:rPr lang="tr-TR" dirty="0" err="1" smtClean="0"/>
+              <a:rPr lang="tr-TR" dirty="0" err="1"/>
               <a:t>Veritabanı</a:t>
             </a:r>
             <a:r>
-              <a:rPr lang="tr-TR" dirty="0" smtClean="0"/>
+              <a:rPr lang="tr-TR" dirty="0"/>
               <a:t> Mantığı-Kadir Çamoğlu</a:t>
             </a:r>
           </a:p>
           <a:p>
             <a:r>
-              <a:rPr lang="tr-TR" dirty="0" smtClean="0"/>
+              <a:rPr lang="tr-TR" dirty="0"/>
               <a:t>VTYS Ders Notları-Gökhan </a:t>
-            </a:r>
-            <a:r>
-              <a:rPr lang="tr-TR" dirty="0" err="1" smtClean="0"/>
-              <a:t>Memiş</a:t>
-            </a:r>
-            <a:endParaRPr lang="tr-TR" dirty="0" smtClean="0"/>
-          </a:p>
-          <a:p>
-            <a:r>
-              <a:rPr lang="tr-TR" dirty="0" smtClean="0"/>
-              <a:t>VTYS </a:t>
-            </a:r>
-            <a:r>
-              <a:rPr lang="tr-TR" dirty="0"/>
-              <a:t>Ders </a:t>
-            </a:r>
-            <a:r>
-              <a:rPr lang="tr-TR" dirty="0" smtClean="0"/>
-              <a:t>Notları-Fatih Kayaalp </a:t>
             </a:r>
             <a:r>
               <a:rPr lang="tr-TR" dirty="0" err="1"/>
@@ -13094,10 +12511,20 @@
           </a:p>
           <a:p>
             <a:r>
-              <a:rPr lang="tr-TR" dirty="0" smtClean="0"/>
+              <a:rPr lang="tr-TR" dirty="0"/>
+              <a:t>VTYS Ders Notları-Fatih Kayaalp </a:t>
+            </a:r>
+            <a:r>
+              <a:rPr lang="tr-TR" dirty="0" err="1"/>
+              <a:t>Memiş</a:t>
+            </a:r>
+            <a:endParaRPr lang="tr-TR" dirty="0"/>
+          </a:p>
+          <a:p>
+            <a:r>
+              <a:rPr lang="tr-TR" dirty="0"/>
               <a:t>İnternet</a:t>
             </a:r>
-            <a:endParaRPr lang="tr-TR" dirty="0"/>
           </a:p>
           <a:p>
             <a:endParaRPr lang="tr-TR" dirty="0"/>
@@ -13349,15 +12776,15 @@
               <a:t>gönderir</a:t>
             </a:r>
             <a:r>
-              <a:rPr lang="en-US" dirty="0" smtClean="0"/>
+              <a:rPr lang="en-US" dirty="0"/>
               <a:t>.</a:t>
             </a:r>
             <a:r>
-              <a:rPr lang="tr-TR" dirty="0" smtClean="0"/>
+              <a:rPr lang="tr-TR" dirty="0"/>
               <a:t> B</a:t>
             </a:r>
             <a:r>
-              <a:rPr lang="en-US" dirty="0" smtClean="0"/>
+              <a:rPr lang="en-US" dirty="0"/>
               <a:t>u </a:t>
             </a:r>
             <a:r>
@@ -13421,28 +12848,24 @@
               <a:t>yönlendirebilir</a:t>
             </a:r>
             <a:r>
-              <a:rPr lang="en-US" dirty="0" smtClean="0"/>
+              <a:rPr lang="en-US" dirty="0"/>
               <a:t>.</a:t>
             </a:r>
-            <a:endParaRPr lang="tr-TR" dirty="0" smtClean="0"/>
+            <a:endParaRPr lang="tr-TR" dirty="0"/>
           </a:p>
           <a:p>
             <a:pPr marL="0" indent="0" algn="just">
               <a:buNone/>
             </a:pPr>
-            <a:endParaRPr lang="tr-TR" b="1" dirty="0" smtClean="0"/>
+            <a:endParaRPr lang="tr-TR" b="1" dirty="0"/>
           </a:p>
           <a:p>
             <a:pPr marL="0" indent="0" algn="just">
               <a:buNone/>
             </a:pPr>
             <a:r>
-              <a:rPr lang="en-US" b="1" dirty="0" smtClean="0"/>
-              <a:t>2</a:t>
-            </a:r>
-            <a:r>
               <a:rPr lang="en-US" b="1" dirty="0"/>
-              <a:t>. Kafka</a:t>
+              <a:t>2. Kafka</a:t>
             </a:r>
           </a:p>
           <a:p>
@@ -13580,20 +13003,16 @@
               <a:t>yönlendirebilirler</a:t>
             </a:r>
             <a:r>
-              <a:rPr lang="en-US" dirty="0" smtClean="0"/>
+              <a:rPr lang="en-US" dirty="0"/>
               <a:t>.</a:t>
             </a:r>
             <a:r>
-              <a:rPr lang="tr-TR" dirty="0" smtClean="0"/>
-              <a:t> </a:t>
-            </a:r>
-            <a:r>
-              <a:rPr lang="en-US" dirty="0" smtClean="0"/>
-              <a:t>Bu</a:t>
-            </a:r>
-            <a:r>
-              <a:rPr lang="en-US" dirty="0"/>
-              <a:t>, </a:t>
+              <a:rPr lang="tr-TR" dirty="0"/>
+              <a:t> </a:t>
+            </a:r>
+            <a:r>
+              <a:rPr lang="en-US" dirty="0"/>
+              <a:t>Bu, </a:t>
             </a:r>
             <a:r>
               <a:rPr lang="en-US" dirty="0" err="1"/>
@@ -13750,14 +13169,13 @@
               <a:buNone/>
             </a:pPr>
             <a:r>
-              <a:rPr lang="tr-TR" b="1" dirty="0" smtClean="0"/>
+              <a:rPr lang="tr-TR" b="1" dirty="0"/>
               <a:t>3. </a:t>
             </a:r>
             <a:r>
-              <a:rPr lang="en-US" b="1" dirty="0" smtClean="0"/>
+              <a:rPr lang="en-US" b="1" dirty="0"/>
               <a:t>MySQL/PostgreSQL</a:t>
             </a:r>
-            <a:endParaRPr lang="en-US" b="1" dirty="0"/>
           </a:p>
           <a:p>
             <a:r>
@@ -13833,23 +13251,23 @@
               <a:t>. </a:t>
             </a:r>
             <a:r>
-              <a:rPr lang="en-US" b="1" dirty="0" smtClean="0"/>
+              <a:rPr lang="en-US" b="1" dirty="0"/>
               <a:t>MySQL</a:t>
             </a:r>
             <a:r>
-              <a:rPr lang="tr-TR" dirty="0" smtClean="0"/>
+              <a:rPr lang="tr-TR" dirty="0"/>
               <a:t>, </a:t>
             </a:r>
             <a:r>
-              <a:rPr lang="en-US" b="1" dirty="0" smtClean="0"/>
+              <a:rPr lang="en-US" b="1" dirty="0"/>
               <a:t>PostgreSQL</a:t>
             </a:r>
             <a:r>
-              <a:rPr lang="tr-TR" b="1" dirty="0" smtClean="0"/>
+              <a:rPr lang="tr-TR" b="1" dirty="0"/>
               <a:t> vb.</a:t>
             </a:r>
             <a:r>
-              <a:rPr lang="en-US" dirty="0" smtClean="0"/>
+              <a:rPr lang="en-US" dirty="0"/>
               <a:t>, </a:t>
             </a:r>
             <a:r>
@@ -13905,19 +13323,19 @@
               <a:t>veritabanlarıdır</a:t>
             </a:r>
             <a:r>
-              <a:rPr lang="en-US" dirty="0" smtClean="0"/>
+              <a:rPr lang="en-US" dirty="0"/>
               <a:t>.</a:t>
             </a:r>
             <a:r>
-              <a:rPr lang="tr-TR" dirty="0" smtClean="0"/>
-              <a:t> </a:t>
-            </a:r>
-            <a:r>
-              <a:rPr lang="en-US" dirty="0" err="1" smtClean="0"/>
+              <a:rPr lang="tr-TR" dirty="0"/>
+              <a:t> </a:t>
+            </a:r>
+            <a:r>
+              <a:rPr lang="en-US" dirty="0" err="1"/>
               <a:t>Debezium</a:t>
             </a:r>
             <a:r>
-              <a:rPr lang="en-US" dirty="0" smtClean="0"/>
+              <a:rPr lang="en-US" dirty="0"/>
               <a:t> </a:t>
             </a:r>
             <a:r>
@@ -14038,20 +13456,16 @@
               <a:buNone/>
             </a:pPr>
             <a:r>
-              <a:rPr lang="tr-TR" b="1" dirty="0" smtClean="0"/>
+              <a:rPr lang="tr-TR" b="1" dirty="0"/>
               <a:t>4. E</a:t>
             </a:r>
             <a:r>
-              <a:rPr lang="en-US" b="1" dirty="0" err="1" smtClean="0"/>
+              <a:rPr lang="en-US" b="1" dirty="0" err="1"/>
               <a:t>lasticSearch</a:t>
             </a:r>
             <a:r>
-              <a:rPr lang="en-US" b="1" dirty="0" smtClean="0"/>
-              <a:t> </a:t>
-            </a:r>
-            <a:r>
               <a:rPr lang="en-US" b="1" dirty="0"/>
-              <a:t>(</a:t>
+              <a:t> (</a:t>
             </a:r>
             <a:r>
               <a:rPr lang="en-US" b="1" dirty="0" err="1"/>
@@ -14121,19 +13535,19 @@
               <a:t> </a:t>
             </a:r>
             <a:r>
-              <a:rPr lang="en-US" dirty="0" err="1" smtClean="0"/>
+              <a:rPr lang="en-US" dirty="0" err="1"/>
               <a:t>kullanılabilir</a:t>
             </a:r>
             <a:r>
-              <a:rPr lang="en-US" dirty="0" smtClean="0"/>
+              <a:rPr lang="en-US" dirty="0"/>
               <a:t>.</a:t>
             </a:r>
             <a:r>
-              <a:rPr lang="tr-TR" dirty="0" smtClean="0"/>
-              <a:t> </a:t>
-            </a:r>
-            <a:r>
-              <a:rPr lang="en-US" dirty="0" smtClean="0"/>
+              <a:rPr lang="tr-TR" dirty="0"/>
+              <a:t> </a:t>
+            </a:r>
+            <a:r>
+              <a:rPr lang="en-US" dirty="0"/>
               <a:t>CDC </a:t>
             </a:r>
             <a:r>
@@ -14214,15 +13628,15 @@
               <a:buNone/>
             </a:pPr>
             <a:r>
-              <a:rPr lang="tr-TR" b="1" dirty="0" smtClean="0"/>
+              <a:rPr lang="tr-TR" b="1" dirty="0"/>
               <a:t>5. </a:t>
             </a:r>
             <a:r>
-              <a:rPr lang="en-US" b="1" dirty="0" err="1" smtClean="0"/>
+              <a:rPr lang="en-US" b="1" dirty="0" err="1"/>
               <a:t>Grafana</a:t>
             </a:r>
             <a:r>
-              <a:rPr lang="en-US" b="1" dirty="0" smtClean="0"/>
+              <a:rPr lang="en-US" b="1" dirty="0"/>
               <a:t> </a:t>
             </a:r>
             <a:r>
@@ -14449,10 +13863,9 @@
           <a:lstStyle/>
           <a:p>
             <a:r>
-              <a:rPr lang="tr-TR" dirty="0" smtClean="0"/>
+              <a:rPr lang="tr-TR" dirty="0"/>
               <a:t>Giriş</a:t>
             </a:r>
-            <a:endParaRPr lang="tr-TR" dirty="0"/>
           </a:p>
         </p:txBody>
       </p:sp>
@@ -14475,32 +13888,28 @@
           <a:p>
             <a:pPr algn="just"/>
             <a:r>
-              <a:rPr lang="tr-TR" dirty="0" smtClean="0"/>
+              <a:rPr lang="tr-TR" dirty="0"/>
               <a:t>Veri; direk bir sorunun cevabı olmasa da anlamlı olabilecek bilgi parçacıklarıdır.</a:t>
             </a:r>
             <a:r>
-              <a:rPr lang="en-US" dirty="0" smtClean="0"/>
-              <a:t> </a:t>
-            </a:r>
-            <a:r>
-              <a:rPr lang="en-US" dirty="0" err="1" smtClean="0"/>
+              <a:rPr lang="en-US" dirty="0"/>
+              <a:t> </a:t>
+            </a:r>
+            <a:r>
+              <a:rPr lang="en-US" dirty="0" err="1"/>
               <a:t>Hamdır</a:t>
             </a:r>
             <a:r>
-              <a:rPr lang="en-US" dirty="0" smtClean="0"/>
+              <a:rPr lang="en-US" dirty="0"/>
               <a:t>. </a:t>
             </a:r>
             <a:r>
-              <a:rPr lang="en-US" dirty="0" err="1" smtClean="0"/>
+              <a:rPr lang="en-US" dirty="0" err="1"/>
               <a:t>Genellikle</a:t>
             </a:r>
             <a:r>
               <a:rPr lang="en-US" dirty="0"/>
-              <a:t>, </a:t>
-            </a:r>
-            <a:r>
-              <a:rPr lang="en-US" dirty="0" smtClean="0"/>
-              <a:t>biz </a:t>
+              <a:t>, biz </a:t>
             </a:r>
             <a:r>
               <a:rPr lang="en-US" dirty="0" err="1"/>
@@ -14543,19 +13952,19 @@
               <a:t> </a:t>
             </a:r>
             <a:r>
-              <a:rPr lang="en-US" dirty="0" err="1" smtClean="0"/>
+              <a:rPr lang="en-US" dirty="0" err="1"/>
               <a:t>işlemlerimizi</a:t>
             </a:r>
             <a:r>
-              <a:rPr lang="en-US" dirty="0" smtClean="0"/>
-              <a:t> </a:t>
-            </a:r>
-            <a:r>
-              <a:rPr lang="en-US" dirty="0" err="1" smtClean="0"/>
+              <a:rPr lang="en-US" dirty="0"/>
+              <a:t> </a:t>
+            </a:r>
+            <a:r>
+              <a:rPr lang="en-US" dirty="0" err="1"/>
               <a:t>varlık</a:t>
             </a:r>
             <a:r>
-              <a:rPr lang="en-US" dirty="0" smtClean="0"/>
+              <a:rPr lang="en-US" dirty="0"/>
               <a:t> </a:t>
             </a:r>
             <a:r>
@@ -14591,11 +14000,11 @@
               <a:t> </a:t>
             </a:r>
             <a:r>
-              <a:rPr lang="en-US" dirty="0" err="1" smtClean="0"/>
+              <a:rPr lang="en-US" dirty="0" err="1"/>
               <a:t>için</a:t>
             </a:r>
             <a:r>
-              <a:rPr lang="en-US" dirty="0" smtClean="0"/>
+              <a:rPr lang="en-US" dirty="0"/>
               <a:t> </a:t>
             </a:r>
             <a:r>
@@ -14606,12 +14015,12 @@
               <a:rPr lang="en-US" dirty="0"/>
               <a:t>. </a:t>
             </a:r>
-            <a:endParaRPr lang="tr-TR" dirty="0" smtClean="0"/>
+            <a:endParaRPr lang="tr-TR" dirty="0"/>
           </a:p>
           <a:p>
             <a:pPr algn="just"/>
             <a:r>
-              <a:rPr lang="tr-TR" dirty="0" smtClean="0"/>
+              <a:rPr lang="tr-TR" dirty="0"/>
               <a:t>Bilgi; ihtiyaç duyulan bir soruya cevap olabilecek daha anlamlı veriler, veri kümeleri olarak kullanılabilir. Aslında birbirinden çokta farklı kavramlar değildir. </a:t>
             </a:r>
           </a:p>
@@ -14671,13 +14080,6 @@
   <p:clrMapOvr>
     <a:masterClrMapping/>
   </p:clrMapOvr>
-  <p:timing>
-    <p:tnLst>
-      <p:par>
-        <p:cTn id="1" dur="indefinite" restart="never" nodeType="tmRoot"/>
-      </p:par>
-    </p:tnLst>
-  </p:timing>
 </p:sld>
 </file>
 
@@ -14714,7 +14116,7 @@
           <a:lstStyle/>
           <a:p>
             <a:r>
-              <a:rPr lang="en-US" dirty="0" err="1" smtClean="0"/>
+              <a:rPr lang="en-US" dirty="0" err="1"/>
               <a:t>Giriş</a:t>
             </a:r>
             <a:endParaRPr lang="en-US" dirty="0"/>
@@ -14755,20 +14157,12 @@
             </a:r>
           </a:p>
           <a:p>
-            <a:endParaRPr lang="en-US" b="1" dirty="0" smtClean="0"/>
-          </a:p>
-          <a:p>
-            <a:r>
-              <a:rPr lang="tr-TR" b="1" dirty="0" smtClean="0"/>
-              <a:t>Veriler</a:t>
-            </a:r>
+            <a:endParaRPr lang="en-US" b="1" dirty="0"/>
+          </a:p>
+          <a:p>
             <a:r>
               <a:rPr lang="tr-TR" b="1" dirty="0"/>
-              <a:t>;</a:t>
-            </a:r>
-            <a:r>
-              <a:rPr lang="tr-TR" dirty="0"/>
-              <a:t/>
+              <a:t>Veriler;</a:t>
             </a:r>
             <a:br>
               <a:rPr lang="tr-TR" dirty="0"/>
@@ -14786,27 +14180,19 @@
               <a:t>Ahmet: 15 yasında, </a:t>
             </a:r>
             <a:r>
-              <a:rPr lang="en-US" dirty="0" smtClean="0"/>
+              <a:rPr lang="en-US" dirty="0"/>
               <a:t>Z</a:t>
             </a:r>
             <a:r>
-              <a:rPr lang="tr-TR" dirty="0" smtClean="0"/>
-              <a:t>eki</a:t>
-            </a:r>
-            <a:r>
               <a:rPr lang="tr-TR" dirty="0"/>
-              <a:t>     : 13 </a:t>
-            </a:r>
-            <a:r>
-              <a:rPr lang="tr-TR" dirty="0" smtClean="0"/>
-              <a:t>ya</a:t>
-            </a:r>
-            <a:r>
-              <a:rPr lang="en-US" dirty="0" smtClean="0"/>
+              <a:t>eki     : 13 ya</a:t>
+            </a:r>
+            <a:r>
+              <a:rPr lang="en-US" dirty="0"/>
               <a:t>ş</a:t>
             </a:r>
             <a:r>
-              <a:rPr lang="tr-TR" dirty="0" err="1" smtClean="0"/>
+              <a:rPr lang="tr-TR" dirty="0" err="1"/>
               <a:t>ında</a:t>
             </a:r>
             <a:r>
@@ -14814,51 +14200,35 @@
               <a:t>, </a:t>
             </a:r>
             <a:r>
-              <a:rPr lang="en-US" dirty="0" smtClean="0"/>
+              <a:rPr lang="en-US" dirty="0"/>
               <a:t>B</a:t>
             </a:r>
             <a:r>
-              <a:rPr lang="tr-TR" dirty="0" smtClean="0"/>
-              <a:t>eril</a:t>
-            </a:r>
-            <a:r>
               <a:rPr lang="tr-TR" dirty="0"/>
-              <a:t>    : 20 </a:t>
-            </a:r>
-            <a:r>
-              <a:rPr lang="tr-TR" dirty="0" smtClean="0"/>
-              <a:t>ya</a:t>
-            </a:r>
-            <a:r>
-              <a:rPr lang="en-US" dirty="0" smtClean="0"/>
+              <a:t>eril    : 20 ya</a:t>
+            </a:r>
+            <a:r>
+              <a:rPr lang="en-US" dirty="0"/>
               <a:t>ş</a:t>
             </a:r>
             <a:r>
-              <a:rPr lang="tr-TR" dirty="0" err="1" smtClean="0"/>
+              <a:rPr lang="tr-TR" dirty="0" err="1"/>
               <a:t>ında</a:t>
             </a:r>
             <a:r>
-              <a:rPr lang="en-US" dirty="0" smtClean="0"/>
+              <a:rPr lang="en-US" dirty="0"/>
               <a:t>, </a:t>
             </a:r>
             <a:r>
-              <a:rPr lang="tr-TR" dirty="0" smtClean="0"/>
-              <a:t>Seda</a:t>
-            </a:r>
-            <a:r>
               <a:rPr lang="tr-TR" dirty="0"/>
-              <a:t>    : 22 </a:t>
-            </a:r>
-            <a:r>
-              <a:rPr lang="tr-TR" dirty="0" smtClean="0"/>
-              <a:t>ya</a:t>
-            </a:r>
-            <a:r>
-              <a:rPr lang="en-US" dirty="0" smtClean="0"/>
+              <a:t>Seda    : 22 ya</a:t>
+            </a:r>
+            <a:r>
+              <a:rPr lang="en-US" dirty="0"/>
               <a:t>ş</a:t>
             </a:r>
             <a:r>
-              <a:rPr lang="tr-TR" dirty="0" err="1" smtClean="0"/>
+              <a:rPr lang="tr-TR" dirty="0" err="1"/>
               <a:t>ında</a:t>
             </a:r>
             <a:endParaRPr lang="tr-TR" dirty="0"/>
@@ -14874,40 +14244,32 @@
               <a:t>Bu grup içerisinde 2 tane 13 yasında olan insan var, Bu insanların hepsi genç, Bu grup içinde 3 </a:t>
             </a:r>
             <a:r>
-              <a:rPr lang="en-US" dirty="0" err="1" smtClean="0"/>
+              <a:rPr lang="en-US" dirty="0" err="1"/>
               <a:t>kadın</a:t>
             </a:r>
             <a:r>
-              <a:rPr lang="en-US" dirty="0" smtClean="0"/>
-              <a:t> </a:t>
-            </a:r>
-            <a:r>
-              <a:rPr lang="en-US" dirty="0" err="1" smtClean="0"/>
+              <a:rPr lang="en-US" dirty="0"/>
+              <a:t> </a:t>
+            </a:r>
+            <a:r>
+              <a:rPr lang="en-US" dirty="0" err="1"/>
               <a:t>ve</a:t>
             </a:r>
             <a:r>
-              <a:rPr lang="tr-TR" dirty="0" smtClean="0"/>
-              <a:t> </a:t>
-            </a:r>
-            <a:r>
               <a:rPr lang="tr-TR" dirty="0"/>
-              <a:t>2 </a:t>
-            </a:r>
-            <a:r>
-              <a:rPr lang="en-US" dirty="0" err="1" smtClean="0"/>
+              <a:t> 2 </a:t>
+            </a:r>
+            <a:r>
+              <a:rPr lang="en-US" dirty="0" err="1"/>
               <a:t>erkek</a:t>
             </a:r>
             <a:r>
-              <a:rPr lang="en-US" dirty="0" smtClean="0"/>
-              <a:t> </a:t>
-            </a:r>
-            <a:r>
-              <a:rPr lang="tr-TR" dirty="0" smtClean="0"/>
-              <a:t>vardır</a:t>
+              <a:rPr lang="en-US" dirty="0"/>
+              <a:t> </a:t>
             </a:r>
             <a:r>
               <a:rPr lang="tr-TR" dirty="0"/>
-              <a:t>.</a:t>
+              <a:t>vardır.</a:t>
             </a:r>
           </a:p>
           <a:p>
@@ -14961,7 +14323,7 @@
           <a:lstStyle/>
           <a:p>
             <a:r>
-              <a:rPr lang="en-US" dirty="0" err="1" smtClean="0"/>
+              <a:rPr lang="en-US" dirty="0" err="1"/>
               <a:t>Giriş</a:t>
             </a:r>
             <a:endParaRPr lang="en-US" dirty="0"/>
@@ -15168,12 +14530,11 @@
               <a:rPr lang="en-US" dirty="0"/>
               <a:t>. </a:t>
             </a:r>
-            <a:endParaRPr lang="en-US" dirty="0" smtClean="0"/>
           </a:p>
           <a:p>
             <a:pPr algn="just"/>
             <a:r>
-              <a:rPr lang="en-US" dirty="0" err="1" smtClean="0"/>
+              <a:rPr lang="en-US" dirty="0" err="1"/>
               <a:t>Örneğin</a:t>
             </a:r>
             <a:r>
@@ -15445,11 +14806,11 @@
               <a:t> </a:t>
             </a:r>
             <a:r>
-              <a:rPr lang="en-US" dirty="0" err="1" smtClean="0"/>
+              <a:rPr lang="en-US" dirty="0" err="1"/>
               <a:t>oluşturur</a:t>
             </a:r>
             <a:r>
-              <a:rPr lang="en-US" dirty="0" smtClean="0"/>
+              <a:rPr lang="en-US" dirty="0"/>
               <a:t> </a:t>
             </a:r>
             <a:r>
